--- a/1-2/CB1501010/Introduction to Electrical and Electronic Engineering/006/EE_2023_숙제3.pptx
+++ b/1-2/CB1501010/Introduction to Electrical and Electronic Engineering/006/EE_2023_숙제3.pptx
@@ -643,35 +643,35 @@
           <a:p>
             <a:pPr lvl="0"/>
             <a:r>
-              <a:rPr lang="ko-KR" altLang="en-US" noProof="0"/>
+              <a:rPr lang="ko-KR" altLang="en-US" noProof="0" smtClean="0"/>
               <a:t>마스터 텍스트 스타일을 편집합니다</a:t>
             </a:r>
           </a:p>
           <a:p>
             <a:pPr lvl="1"/>
             <a:r>
-              <a:rPr lang="ko-KR" altLang="en-US" noProof="0"/>
+              <a:rPr lang="ko-KR" altLang="en-US" noProof="0" smtClean="0"/>
               <a:t>둘째 수준</a:t>
             </a:r>
           </a:p>
           <a:p>
             <a:pPr lvl="2"/>
             <a:r>
-              <a:rPr lang="ko-KR" altLang="en-US" noProof="0"/>
+              <a:rPr lang="ko-KR" altLang="en-US" noProof="0" smtClean="0"/>
               <a:t>셋째 수준</a:t>
             </a:r>
           </a:p>
           <a:p>
             <a:pPr lvl="3"/>
             <a:r>
-              <a:rPr lang="ko-KR" altLang="en-US" noProof="0"/>
+              <a:rPr lang="ko-KR" altLang="en-US" noProof="0" smtClean="0"/>
               <a:t>넷째 수준</a:t>
             </a:r>
           </a:p>
           <a:p>
             <a:pPr lvl="4"/>
             <a:r>
-              <a:rPr lang="ko-KR" altLang="en-US" noProof="0"/>
+              <a:rPr lang="ko-KR" altLang="en-US" noProof="0" smtClean="0"/>
               <a:t>다섯째 수준</a:t>
             </a:r>
           </a:p>
@@ -1080,7 +1080,7 @@
             <a:pPr eaLnBrk="1" latinLnBrk="1" hangingPunct="1">
               <a:defRPr/>
             </a:pPr>
-            <a:endParaRPr lang="ko-KR" altLang="ko-KR" sz="1800">
+            <a:endParaRPr lang="ko-KR" altLang="ko-KR" sz="1800" smtClean="0">
               <a:solidFill>
                 <a:schemeClr val="bg1"/>
               </a:solidFill>
@@ -1405,14 +1405,14 @@
               <a:defRPr/>
             </a:pPr>
             <a:r>
-              <a:rPr lang="en-US" altLang="ko-KR" sz="1600" i="1">
+              <a:rPr lang="en-US" altLang="ko-KR" sz="1600" i="1" smtClean="0">
                 <a:solidFill>
                   <a:schemeClr val="bg1"/>
                 </a:solidFill>
               </a:rPr>
               <a:t>Pusan National University </a:t>
             </a:r>
-            <a:endParaRPr lang="en-US" altLang="ko-KR" sz="1000">
+            <a:endParaRPr lang="en-US" altLang="ko-KR" sz="1000" smtClean="0">
               <a:solidFill>
                 <a:schemeClr val="bg1"/>
               </a:solidFill>
@@ -1899,7 +1899,7 @@
               <a:defRPr/>
             </a:pPr>
             <a:r>
-              <a:rPr lang="en-US" altLang="ko-KR" sz="3400" i="1">
+              <a:rPr lang="en-US" altLang="ko-KR" sz="3400" i="1" smtClean="0">
                 <a:solidFill>
                   <a:srgbClr val="99CC00"/>
                 </a:solidFill>
@@ -2066,7 +2066,7 @@
               <a:defRPr/>
             </a:pPr>
             <a:r>
-              <a:rPr lang="en-US" altLang="ko-KR" sz="4600" i="1">
+              <a:rPr lang="en-US" altLang="ko-KR" sz="4600" i="1" smtClean="0">
                 <a:latin typeface="Arial Black" pitchFamily="34" charset="0"/>
               </a:rPr>
               <a:t>PNU</a:t>
@@ -2230,7 +2230,7 @@
               <a:defRPr/>
             </a:pPr>
             <a:r>
-              <a:rPr lang="en-US" altLang="ko-KR" sz="1600" i="1">
+              <a:rPr lang="en-US" altLang="ko-KR" sz="1600" i="1" smtClean="0">
                 <a:solidFill>
                   <a:schemeClr val="bg2"/>
                 </a:solidFill>
@@ -2239,7 +2239,7 @@
               <a:t> </a:t>
             </a:r>
             <a:r>
-              <a:rPr lang="ko-KR" altLang="en-US" sz="1600" i="1">
+              <a:rPr lang="ko-KR" altLang="en-US" sz="1600" i="1" smtClean="0">
                 <a:solidFill>
                   <a:schemeClr val="bg2"/>
                 </a:solidFill>
@@ -2363,18 +2363,7 @@
   <p:clrMapOvr>
     <a:masterClrMapping/>
   </p:clrMapOvr>
-  <mc:AlternateContent xmlns:mc="http://schemas.openxmlformats.org/markup-compatibility/2006">
-    <mc:Choice xmlns:p159="http://schemas.microsoft.com/office/powerpoint/2015/09/main" Requires="p159">
-      <p:transition>
-        <p159:morph option="byChar"/>
-      </p:transition>
-    </mc:Choice>
-    <mc:Fallback>
-      <p:transition>
-        <p:fade/>
-      </p:transition>
-    </mc:Fallback>
-  </mc:AlternateContent>
+  <p:transition spd="med"/>
 </p:sldLayout>
 </file>
 
@@ -2416,9 +2405,10 @@
           <a:lstStyle/>
           <a:p>
             <a:r>
-              <a:rPr lang="ko-KR" altLang="en-US"/>
+              <a:rPr lang="ko-KR" altLang="en-US" smtClean="0"/>
               <a:t>마스터 제목 스타일 편집</a:t>
             </a:r>
+            <a:endParaRPr lang="ko-KR" altLang="en-US"/>
           </a:p>
         </p:txBody>
       </p:sp>
@@ -2444,37 +2434,38 @@
           <a:p>
             <a:pPr lvl="0"/>
             <a:r>
-              <a:rPr lang="ko-KR" altLang="en-US"/>
+              <a:rPr lang="ko-KR" altLang="en-US" smtClean="0"/>
               <a:t>마스터 텍스트 스타일을 편집합니다</a:t>
             </a:r>
           </a:p>
           <a:p>
             <a:pPr lvl="1"/>
             <a:r>
-              <a:rPr lang="ko-KR" altLang="en-US"/>
+              <a:rPr lang="ko-KR" altLang="en-US" smtClean="0"/>
               <a:t>둘째 수준</a:t>
             </a:r>
           </a:p>
           <a:p>
             <a:pPr lvl="2"/>
             <a:r>
-              <a:rPr lang="ko-KR" altLang="en-US"/>
+              <a:rPr lang="ko-KR" altLang="en-US" smtClean="0"/>
               <a:t>셋째 수준</a:t>
             </a:r>
           </a:p>
           <a:p>
             <a:pPr lvl="3"/>
             <a:r>
-              <a:rPr lang="ko-KR" altLang="en-US"/>
+              <a:rPr lang="ko-KR" altLang="en-US" smtClean="0"/>
               <a:t>넷째 수준</a:t>
             </a:r>
           </a:p>
           <a:p>
             <a:pPr lvl="4"/>
             <a:r>
-              <a:rPr lang="ko-KR" altLang="en-US"/>
+              <a:rPr lang="ko-KR" altLang="en-US" smtClean="0"/>
               <a:t>다섯째 수준</a:t>
             </a:r>
+            <a:endParaRPr lang="ko-KR" altLang="en-US"/>
           </a:p>
         </p:txBody>
       </p:sp>
@@ -2488,18 +2479,7 @@
   <p:clrMapOvr>
     <a:masterClrMapping/>
   </p:clrMapOvr>
-  <mc:AlternateContent xmlns:mc="http://schemas.openxmlformats.org/markup-compatibility/2006">
-    <mc:Choice xmlns:p159="http://schemas.microsoft.com/office/powerpoint/2015/09/main" Requires="p159">
-      <p:transition>
-        <p159:morph option="byChar"/>
-      </p:transition>
-    </mc:Choice>
-    <mc:Fallback>
-      <p:transition>
-        <p:fade/>
-      </p:transition>
-    </mc:Fallback>
-  </mc:AlternateContent>
+  <p:transition spd="med"/>
 </p:sldLayout>
 </file>
 
@@ -2541,9 +2521,10 @@
           <a:lstStyle/>
           <a:p>
             <a:r>
-              <a:rPr lang="ko-KR" altLang="en-US"/>
+              <a:rPr lang="ko-KR" altLang="en-US" smtClean="0"/>
               <a:t>마스터 제목 스타일 편집</a:t>
             </a:r>
+            <a:endParaRPr lang="ko-KR" altLang="en-US"/>
           </a:p>
         </p:txBody>
       </p:sp>
@@ -2569,37 +2550,38 @@
           <a:p>
             <a:pPr lvl="0"/>
             <a:r>
-              <a:rPr lang="ko-KR" altLang="en-US"/>
+              <a:rPr lang="ko-KR" altLang="en-US" smtClean="0"/>
               <a:t>마스터 텍스트 스타일을 편집합니다</a:t>
             </a:r>
           </a:p>
           <a:p>
             <a:pPr lvl="1"/>
             <a:r>
-              <a:rPr lang="ko-KR" altLang="en-US"/>
+              <a:rPr lang="ko-KR" altLang="en-US" smtClean="0"/>
               <a:t>둘째 수준</a:t>
             </a:r>
           </a:p>
           <a:p>
             <a:pPr lvl="2"/>
             <a:r>
-              <a:rPr lang="ko-KR" altLang="en-US"/>
+              <a:rPr lang="ko-KR" altLang="en-US" smtClean="0"/>
               <a:t>셋째 수준</a:t>
             </a:r>
           </a:p>
           <a:p>
             <a:pPr lvl="3"/>
             <a:r>
-              <a:rPr lang="ko-KR" altLang="en-US"/>
+              <a:rPr lang="ko-KR" altLang="en-US" smtClean="0"/>
               <a:t>넷째 수준</a:t>
             </a:r>
           </a:p>
           <a:p>
             <a:pPr lvl="4"/>
             <a:r>
-              <a:rPr lang="ko-KR" altLang="en-US"/>
+              <a:rPr lang="ko-KR" altLang="en-US" smtClean="0"/>
               <a:t>다섯째 수준</a:t>
             </a:r>
+            <a:endParaRPr lang="ko-KR" altLang="en-US"/>
           </a:p>
         </p:txBody>
       </p:sp>
@@ -2625,37 +2607,38 @@
           <a:p>
             <a:pPr lvl="0"/>
             <a:r>
-              <a:rPr lang="ko-KR" altLang="en-US"/>
+              <a:rPr lang="ko-KR" altLang="en-US" smtClean="0"/>
               <a:t>마스터 텍스트 스타일을 편집합니다</a:t>
             </a:r>
           </a:p>
           <a:p>
             <a:pPr lvl="1"/>
             <a:r>
-              <a:rPr lang="ko-KR" altLang="en-US"/>
+              <a:rPr lang="ko-KR" altLang="en-US" smtClean="0"/>
               <a:t>둘째 수준</a:t>
             </a:r>
           </a:p>
           <a:p>
             <a:pPr lvl="2"/>
             <a:r>
-              <a:rPr lang="ko-KR" altLang="en-US"/>
+              <a:rPr lang="ko-KR" altLang="en-US" smtClean="0"/>
               <a:t>셋째 수준</a:t>
             </a:r>
           </a:p>
           <a:p>
             <a:pPr lvl="3"/>
             <a:r>
-              <a:rPr lang="ko-KR" altLang="en-US"/>
+              <a:rPr lang="ko-KR" altLang="en-US" smtClean="0"/>
               <a:t>넷째 수준</a:t>
             </a:r>
           </a:p>
           <a:p>
             <a:pPr lvl="4"/>
             <a:r>
-              <a:rPr lang="ko-KR" altLang="en-US"/>
+              <a:rPr lang="ko-KR" altLang="en-US" smtClean="0"/>
               <a:t>다섯째 수준</a:t>
             </a:r>
+            <a:endParaRPr lang="ko-KR" altLang="en-US"/>
           </a:p>
         </p:txBody>
       </p:sp>
@@ -2669,18 +2652,7 @@
   <p:clrMapOvr>
     <a:masterClrMapping/>
   </p:clrMapOvr>
-  <mc:AlternateContent xmlns:mc="http://schemas.openxmlformats.org/markup-compatibility/2006">
-    <mc:Choice xmlns:p159="http://schemas.microsoft.com/office/powerpoint/2015/09/main" Requires="p159">
-      <p:transition>
-        <p159:morph option="byChar"/>
-      </p:transition>
-    </mc:Choice>
-    <mc:Fallback>
-      <p:transition>
-        <p:fade/>
-      </p:transition>
-    </mc:Fallback>
-  </mc:AlternateContent>
+  <p:transition spd="med"/>
 </p:sldLayout>
 </file>
 
@@ -2722,9 +2694,10 @@
           <a:lstStyle/>
           <a:p>
             <a:r>
-              <a:rPr lang="ko-KR" altLang="en-US"/>
+              <a:rPr lang="ko-KR" altLang="en-US" smtClean="0"/>
               <a:t>마스터 제목 스타일 편집</a:t>
             </a:r>
+            <a:endParaRPr lang="ko-KR" altLang="en-US"/>
           </a:p>
         </p:txBody>
       </p:sp>
@@ -2750,37 +2723,38 @@
           <a:p>
             <a:pPr lvl="0"/>
             <a:r>
-              <a:rPr lang="ko-KR" altLang="en-US"/>
+              <a:rPr lang="ko-KR" altLang="en-US" smtClean="0"/>
               <a:t>마스터 텍스트 스타일을 편집합니다</a:t>
             </a:r>
           </a:p>
           <a:p>
             <a:pPr lvl="1"/>
             <a:r>
-              <a:rPr lang="ko-KR" altLang="en-US"/>
+              <a:rPr lang="ko-KR" altLang="en-US" smtClean="0"/>
               <a:t>둘째 수준</a:t>
             </a:r>
           </a:p>
           <a:p>
             <a:pPr lvl="2"/>
             <a:r>
-              <a:rPr lang="ko-KR" altLang="en-US"/>
+              <a:rPr lang="ko-KR" altLang="en-US" smtClean="0"/>
               <a:t>셋째 수준</a:t>
             </a:r>
           </a:p>
           <a:p>
             <a:pPr lvl="3"/>
             <a:r>
-              <a:rPr lang="ko-KR" altLang="en-US"/>
+              <a:rPr lang="ko-KR" altLang="en-US" smtClean="0"/>
               <a:t>넷째 수준</a:t>
             </a:r>
           </a:p>
           <a:p>
             <a:pPr lvl="4"/>
             <a:r>
-              <a:rPr lang="ko-KR" altLang="en-US"/>
+              <a:rPr lang="ko-KR" altLang="en-US" smtClean="0"/>
               <a:t>다섯째 수준</a:t>
             </a:r>
+            <a:endParaRPr lang="ko-KR" altLang="en-US"/>
           </a:p>
         </p:txBody>
       </p:sp>
@@ -2806,37 +2780,38 @@
           <a:p>
             <a:pPr lvl="0"/>
             <a:r>
-              <a:rPr lang="ko-KR" altLang="en-US"/>
+              <a:rPr lang="ko-KR" altLang="en-US" smtClean="0"/>
               <a:t>마스터 텍스트 스타일을 편집합니다</a:t>
             </a:r>
           </a:p>
           <a:p>
             <a:pPr lvl="1"/>
             <a:r>
-              <a:rPr lang="ko-KR" altLang="en-US"/>
+              <a:rPr lang="ko-KR" altLang="en-US" smtClean="0"/>
               <a:t>둘째 수준</a:t>
             </a:r>
           </a:p>
           <a:p>
             <a:pPr lvl="2"/>
             <a:r>
-              <a:rPr lang="ko-KR" altLang="en-US"/>
+              <a:rPr lang="ko-KR" altLang="en-US" smtClean="0"/>
               <a:t>셋째 수준</a:t>
             </a:r>
           </a:p>
           <a:p>
             <a:pPr lvl="3"/>
             <a:r>
-              <a:rPr lang="ko-KR" altLang="en-US"/>
+              <a:rPr lang="ko-KR" altLang="en-US" smtClean="0"/>
               <a:t>넷째 수준</a:t>
             </a:r>
           </a:p>
           <a:p>
             <a:pPr lvl="4"/>
             <a:r>
-              <a:rPr lang="ko-KR" altLang="en-US"/>
+              <a:rPr lang="ko-KR" altLang="en-US" smtClean="0"/>
               <a:t>다섯째 수준</a:t>
             </a:r>
+            <a:endParaRPr lang="ko-KR" altLang="en-US"/>
           </a:p>
         </p:txBody>
       </p:sp>
@@ -2862,37 +2837,38 @@
           <a:p>
             <a:pPr lvl="0"/>
             <a:r>
-              <a:rPr lang="ko-KR" altLang="en-US"/>
+              <a:rPr lang="ko-KR" altLang="en-US" smtClean="0"/>
               <a:t>마스터 텍스트 스타일을 편집합니다</a:t>
             </a:r>
           </a:p>
           <a:p>
             <a:pPr lvl="1"/>
             <a:r>
-              <a:rPr lang="ko-KR" altLang="en-US"/>
+              <a:rPr lang="ko-KR" altLang="en-US" smtClean="0"/>
               <a:t>둘째 수준</a:t>
             </a:r>
           </a:p>
           <a:p>
             <a:pPr lvl="2"/>
             <a:r>
-              <a:rPr lang="ko-KR" altLang="en-US"/>
+              <a:rPr lang="ko-KR" altLang="en-US" smtClean="0"/>
               <a:t>셋째 수준</a:t>
             </a:r>
           </a:p>
           <a:p>
             <a:pPr lvl="3"/>
             <a:r>
-              <a:rPr lang="ko-KR" altLang="en-US"/>
+              <a:rPr lang="ko-KR" altLang="en-US" smtClean="0"/>
               <a:t>넷째 수준</a:t>
             </a:r>
           </a:p>
           <a:p>
             <a:pPr lvl="4"/>
             <a:r>
-              <a:rPr lang="ko-KR" altLang="en-US"/>
+              <a:rPr lang="ko-KR" altLang="en-US" smtClean="0"/>
               <a:t>다섯째 수준</a:t>
             </a:r>
+            <a:endParaRPr lang="ko-KR" altLang="en-US"/>
           </a:p>
         </p:txBody>
       </p:sp>
@@ -2906,18 +2882,7 @@
   <p:clrMapOvr>
     <a:masterClrMapping/>
   </p:clrMapOvr>
-  <mc:AlternateContent xmlns:mc="http://schemas.openxmlformats.org/markup-compatibility/2006">
-    <mc:Choice xmlns:p159="http://schemas.microsoft.com/office/powerpoint/2015/09/main" Requires="p159">
-      <p:transition>
-        <p159:morph option="byChar"/>
-      </p:transition>
-    </mc:Choice>
-    <mc:Fallback>
-      <p:transition>
-        <p:fade/>
-      </p:transition>
-    </mc:Fallback>
-  </mc:AlternateContent>
+  <p:transition spd="med"/>
 </p:sldLayout>
 </file>
 
@@ -2959,9 +2924,10 @@
           <a:lstStyle/>
           <a:p>
             <a:r>
-              <a:rPr lang="ko-KR" altLang="en-US"/>
+              <a:rPr lang="ko-KR" altLang="en-US" smtClean="0"/>
               <a:t>마스터 제목 스타일 편집</a:t>
             </a:r>
+            <a:endParaRPr lang="ko-KR" altLang="en-US"/>
           </a:p>
         </p:txBody>
       </p:sp>
@@ -3023,9 +2989,10 @@
           </a:lstStyle>
           <a:p>
             <a:r>
-              <a:rPr lang="ko-KR" altLang="en-US"/>
+              <a:rPr lang="ko-KR" altLang="en-US" smtClean="0"/>
               <a:t>마스터 부제목 스타일 편집</a:t>
             </a:r>
+            <a:endParaRPr lang="ko-KR" altLang="en-US"/>
           </a:p>
         </p:txBody>
       </p:sp>
@@ -3039,18 +3006,7 @@
   <p:clrMapOvr>
     <a:masterClrMapping/>
   </p:clrMapOvr>
-  <mc:AlternateContent xmlns:mc="http://schemas.openxmlformats.org/markup-compatibility/2006">
-    <mc:Choice xmlns:p159="http://schemas.microsoft.com/office/powerpoint/2015/09/main" Requires="p159">
-      <p:transition>
-        <p159:morph option="byChar"/>
-      </p:transition>
-    </mc:Choice>
-    <mc:Fallback>
-      <p:transition>
-        <p:fade/>
-      </p:transition>
-    </mc:Fallback>
-  </mc:AlternateContent>
+  <p:transition spd="med"/>
 </p:sldLayout>
 </file>
 
@@ -3087,9 +3043,10 @@
           <a:lstStyle/>
           <a:p>
             <a:r>
-              <a:rPr lang="ko-KR" altLang="en-US"/>
+              <a:rPr lang="ko-KR" altLang="en-US" smtClean="0"/>
               <a:t>마스터 제목 스타일 편집</a:t>
             </a:r>
+            <a:endParaRPr lang="ko-KR" altLang="en-US"/>
           </a:p>
         </p:txBody>
       </p:sp>
@@ -3110,37 +3067,38 @@
           <a:p>
             <a:pPr lvl="0"/>
             <a:r>
-              <a:rPr lang="ko-KR" altLang="en-US"/>
+              <a:rPr lang="ko-KR" altLang="en-US" smtClean="0"/>
               <a:t>마스터 텍스트 스타일을 편집합니다</a:t>
             </a:r>
           </a:p>
           <a:p>
             <a:pPr lvl="1"/>
             <a:r>
-              <a:rPr lang="ko-KR" altLang="en-US"/>
+              <a:rPr lang="ko-KR" altLang="en-US" smtClean="0"/>
               <a:t>둘째 수준</a:t>
             </a:r>
           </a:p>
           <a:p>
             <a:pPr lvl="2"/>
             <a:r>
-              <a:rPr lang="ko-KR" altLang="en-US"/>
+              <a:rPr lang="ko-KR" altLang="en-US" smtClean="0"/>
               <a:t>셋째 수준</a:t>
             </a:r>
           </a:p>
           <a:p>
             <a:pPr lvl="3"/>
             <a:r>
-              <a:rPr lang="ko-KR" altLang="en-US"/>
+              <a:rPr lang="ko-KR" altLang="en-US" smtClean="0"/>
               <a:t>넷째 수준</a:t>
             </a:r>
           </a:p>
           <a:p>
             <a:pPr lvl="4"/>
             <a:r>
-              <a:rPr lang="ko-KR" altLang="en-US"/>
+              <a:rPr lang="ko-KR" altLang="en-US" smtClean="0"/>
               <a:t>다섯째 수준</a:t>
             </a:r>
+            <a:endParaRPr lang="ko-KR" altLang="en-US"/>
           </a:p>
         </p:txBody>
       </p:sp>
@@ -3154,18 +3112,7 @@
   <p:clrMapOvr>
     <a:masterClrMapping/>
   </p:clrMapOvr>
-  <mc:AlternateContent xmlns:mc="http://schemas.openxmlformats.org/markup-compatibility/2006">
-    <mc:Choice xmlns:p159="http://schemas.microsoft.com/office/powerpoint/2015/09/main" Requires="p159">
-      <p:transition>
-        <p159:morph option="byChar"/>
-      </p:transition>
-    </mc:Choice>
-    <mc:Fallback>
-      <p:transition>
-        <p:fade/>
-      </p:transition>
-    </mc:Fallback>
-  </mc:AlternateContent>
+  <p:transition spd="med"/>
 </p:sldLayout>
 </file>
 
@@ -3211,9 +3158,10 @@
           </a:lstStyle>
           <a:p>
             <a:r>
-              <a:rPr lang="ko-KR" altLang="en-US"/>
+              <a:rPr lang="ko-KR" altLang="en-US" smtClean="0"/>
               <a:t>마스터 제목 스타일 편집</a:t>
             </a:r>
+            <a:endParaRPr lang="ko-KR" altLang="en-US"/>
           </a:p>
         </p:txBody>
       </p:sp>
@@ -3276,7 +3224,7 @@
           <a:p>
             <a:pPr lvl="0"/>
             <a:r>
-              <a:rPr lang="ko-KR" altLang="en-US"/>
+              <a:rPr lang="ko-KR" altLang="en-US" smtClean="0"/>
               <a:t>마스터 텍스트 스타일을 편집합니다</a:t>
             </a:r>
           </a:p>
@@ -3292,18 +3240,7 @@
   <p:clrMapOvr>
     <a:masterClrMapping/>
   </p:clrMapOvr>
-  <mc:AlternateContent xmlns:mc="http://schemas.openxmlformats.org/markup-compatibility/2006">
-    <mc:Choice xmlns:p159="http://schemas.microsoft.com/office/powerpoint/2015/09/main" Requires="p159">
-      <p:transition>
-        <p159:morph option="byChar"/>
-      </p:transition>
-    </mc:Choice>
-    <mc:Fallback>
-      <p:transition>
-        <p:fade/>
-      </p:transition>
-    </mc:Fallback>
-  </mc:AlternateContent>
+  <p:transition spd="med"/>
 </p:sldLayout>
 </file>
 
@@ -3340,9 +3277,10 @@
           <a:lstStyle/>
           <a:p>
             <a:r>
-              <a:rPr lang="ko-KR" altLang="en-US"/>
+              <a:rPr lang="ko-KR" altLang="en-US" smtClean="0"/>
               <a:t>마스터 제목 스타일 편집</a:t>
             </a:r>
+            <a:endParaRPr lang="ko-KR" altLang="en-US"/>
           </a:p>
         </p:txBody>
       </p:sp>
@@ -3396,37 +3334,38 @@
           <a:p>
             <a:pPr lvl="0"/>
             <a:r>
-              <a:rPr lang="ko-KR" altLang="en-US"/>
+              <a:rPr lang="ko-KR" altLang="en-US" smtClean="0"/>
               <a:t>마스터 텍스트 스타일을 편집합니다</a:t>
             </a:r>
           </a:p>
           <a:p>
             <a:pPr lvl="1"/>
             <a:r>
-              <a:rPr lang="ko-KR" altLang="en-US"/>
+              <a:rPr lang="ko-KR" altLang="en-US" smtClean="0"/>
               <a:t>둘째 수준</a:t>
             </a:r>
           </a:p>
           <a:p>
             <a:pPr lvl="2"/>
             <a:r>
-              <a:rPr lang="ko-KR" altLang="en-US"/>
+              <a:rPr lang="ko-KR" altLang="en-US" smtClean="0"/>
               <a:t>셋째 수준</a:t>
             </a:r>
           </a:p>
           <a:p>
             <a:pPr lvl="3"/>
             <a:r>
-              <a:rPr lang="ko-KR" altLang="en-US"/>
+              <a:rPr lang="ko-KR" altLang="en-US" smtClean="0"/>
               <a:t>넷째 수준</a:t>
             </a:r>
           </a:p>
           <a:p>
             <a:pPr lvl="4"/>
             <a:r>
-              <a:rPr lang="ko-KR" altLang="en-US"/>
+              <a:rPr lang="ko-KR" altLang="en-US" smtClean="0"/>
               <a:t>다섯째 수준</a:t>
             </a:r>
+            <a:endParaRPr lang="ko-KR" altLang="en-US"/>
           </a:p>
         </p:txBody>
       </p:sp>
@@ -3480,37 +3419,38 @@
           <a:p>
             <a:pPr lvl="0"/>
             <a:r>
-              <a:rPr lang="ko-KR" altLang="en-US"/>
+              <a:rPr lang="ko-KR" altLang="en-US" smtClean="0"/>
               <a:t>마스터 텍스트 스타일을 편집합니다</a:t>
             </a:r>
           </a:p>
           <a:p>
             <a:pPr lvl="1"/>
             <a:r>
-              <a:rPr lang="ko-KR" altLang="en-US"/>
+              <a:rPr lang="ko-KR" altLang="en-US" smtClean="0"/>
               <a:t>둘째 수준</a:t>
             </a:r>
           </a:p>
           <a:p>
             <a:pPr lvl="2"/>
             <a:r>
-              <a:rPr lang="ko-KR" altLang="en-US"/>
+              <a:rPr lang="ko-KR" altLang="en-US" smtClean="0"/>
               <a:t>셋째 수준</a:t>
             </a:r>
           </a:p>
           <a:p>
             <a:pPr lvl="3"/>
             <a:r>
-              <a:rPr lang="ko-KR" altLang="en-US"/>
+              <a:rPr lang="ko-KR" altLang="en-US" smtClean="0"/>
               <a:t>넷째 수준</a:t>
             </a:r>
           </a:p>
           <a:p>
             <a:pPr lvl="4"/>
             <a:r>
-              <a:rPr lang="ko-KR" altLang="en-US"/>
+              <a:rPr lang="ko-KR" altLang="en-US" smtClean="0"/>
               <a:t>다섯째 수준</a:t>
             </a:r>
+            <a:endParaRPr lang="ko-KR" altLang="en-US"/>
           </a:p>
         </p:txBody>
       </p:sp>
@@ -3524,18 +3464,7 @@
   <p:clrMapOvr>
     <a:masterClrMapping/>
   </p:clrMapOvr>
-  <mc:AlternateContent xmlns:mc="http://schemas.openxmlformats.org/markup-compatibility/2006">
-    <mc:Choice xmlns:p159="http://schemas.microsoft.com/office/powerpoint/2015/09/main" Requires="p159">
-      <p:transition>
-        <p159:morph option="byChar"/>
-      </p:transition>
-    </mc:Choice>
-    <mc:Fallback>
-      <p:transition>
-        <p:fade/>
-      </p:transition>
-    </mc:Fallback>
-  </mc:AlternateContent>
+  <p:transition spd="med"/>
 </p:sldLayout>
 </file>
 
@@ -3581,9 +3510,10 @@
           </a:lstStyle>
           <a:p>
             <a:r>
-              <a:rPr lang="ko-KR" altLang="en-US"/>
+              <a:rPr lang="ko-KR" altLang="en-US" smtClean="0"/>
               <a:t>마스터 제목 스타일 편집</a:t>
             </a:r>
+            <a:endParaRPr lang="ko-KR" altLang="en-US"/>
           </a:p>
         </p:txBody>
       </p:sp>
@@ -3646,7 +3576,7 @@
           <a:p>
             <a:pPr lvl="0"/>
             <a:r>
-              <a:rPr lang="ko-KR" altLang="en-US"/>
+              <a:rPr lang="ko-KR" altLang="en-US" smtClean="0"/>
               <a:t>마스터 텍스트 스타일을 편집합니다</a:t>
             </a:r>
           </a:p>
@@ -3702,37 +3632,38 @@
           <a:p>
             <a:pPr lvl="0"/>
             <a:r>
-              <a:rPr lang="ko-KR" altLang="en-US"/>
+              <a:rPr lang="ko-KR" altLang="en-US" smtClean="0"/>
               <a:t>마스터 텍스트 스타일을 편집합니다</a:t>
             </a:r>
           </a:p>
           <a:p>
             <a:pPr lvl="1"/>
             <a:r>
-              <a:rPr lang="ko-KR" altLang="en-US"/>
+              <a:rPr lang="ko-KR" altLang="en-US" smtClean="0"/>
               <a:t>둘째 수준</a:t>
             </a:r>
           </a:p>
           <a:p>
             <a:pPr lvl="2"/>
             <a:r>
-              <a:rPr lang="ko-KR" altLang="en-US"/>
+              <a:rPr lang="ko-KR" altLang="en-US" smtClean="0"/>
               <a:t>셋째 수준</a:t>
             </a:r>
           </a:p>
           <a:p>
             <a:pPr lvl="3"/>
             <a:r>
-              <a:rPr lang="ko-KR" altLang="en-US"/>
+              <a:rPr lang="ko-KR" altLang="en-US" smtClean="0"/>
               <a:t>넷째 수준</a:t>
             </a:r>
           </a:p>
           <a:p>
             <a:pPr lvl="4"/>
             <a:r>
-              <a:rPr lang="ko-KR" altLang="en-US"/>
+              <a:rPr lang="ko-KR" altLang="en-US" smtClean="0"/>
               <a:t>다섯째 수준</a:t>
             </a:r>
+            <a:endParaRPr lang="ko-KR" altLang="en-US"/>
           </a:p>
         </p:txBody>
       </p:sp>
@@ -3795,7 +3726,7 @@
           <a:p>
             <a:pPr lvl="0"/>
             <a:r>
-              <a:rPr lang="ko-KR" altLang="en-US"/>
+              <a:rPr lang="ko-KR" altLang="en-US" smtClean="0"/>
               <a:t>마스터 텍스트 스타일을 편집합니다</a:t>
             </a:r>
           </a:p>
@@ -3851,37 +3782,38 @@
           <a:p>
             <a:pPr lvl="0"/>
             <a:r>
-              <a:rPr lang="ko-KR" altLang="en-US"/>
+              <a:rPr lang="ko-KR" altLang="en-US" smtClean="0"/>
               <a:t>마스터 텍스트 스타일을 편집합니다</a:t>
             </a:r>
           </a:p>
           <a:p>
             <a:pPr lvl="1"/>
             <a:r>
-              <a:rPr lang="ko-KR" altLang="en-US"/>
+              <a:rPr lang="ko-KR" altLang="en-US" smtClean="0"/>
               <a:t>둘째 수준</a:t>
             </a:r>
           </a:p>
           <a:p>
             <a:pPr lvl="2"/>
             <a:r>
-              <a:rPr lang="ko-KR" altLang="en-US"/>
+              <a:rPr lang="ko-KR" altLang="en-US" smtClean="0"/>
               <a:t>셋째 수준</a:t>
             </a:r>
           </a:p>
           <a:p>
             <a:pPr lvl="3"/>
             <a:r>
-              <a:rPr lang="ko-KR" altLang="en-US"/>
+              <a:rPr lang="ko-KR" altLang="en-US" smtClean="0"/>
               <a:t>넷째 수준</a:t>
             </a:r>
           </a:p>
           <a:p>
             <a:pPr lvl="4"/>
             <a:r>
-              <a:rPr lang="ko-KR" altLang="en-US"/>
+              <a:rPr lang="ko-KR" altLang="en-US" smtClean="0"/>
               <a:t>다섯째 수준</a:t>
             </a:r>
+            <a:endParaRPr lang="ko-KR" altLang="en-US"/>
           </a:p>
         </p:txBody>
       </p:sp>
@@ -3895,18 +3827,7 @@
   <p:clrMapOvr>
     <a:masterClrMapping/>
   </p:clrMapOvr>
-  <mc:AlternateContent xmlns:mc="http://schemas.openxmlformats.org/markup-compatibility/2006">
-    <mc:Choice xmlns:p159="http://schemas.microsoft.com/office/powerpoint/2015/09/main" Requires="p159">
-      <p:transition>
-        <p159:morph option="byChar"/>
-      </p:transition>
-    </mc:Choice>
-    <mc:Fallback>
-      <p:transition>
-        <p:fade/>
-      </p:transition>
-    </mc:Fallback>
-  </mc:AlternateContent>
+  <p:transition spd="med"/>
 </p:sldLayout>
 </file>
 
@@ -3943,9 +3864,10 @@
           <a:lstStyle/>
           <a:p>
             <a:r>
-              <a:rPr lang="ko-KR" altLang="en-US"/>
+              <a:rPr lang="ko-KR" altLang="en-US" smtClean="0"/>
               <a:t>마스터 제목 스타일 편집</a:t>
             </a:r>
+            <a:endParaRPr lang="ko-KR" altLang="en-US"/>
           </a:p>
         </p:txBody>
       </p:sp>
@@ -3959,18 +3881,7 @@
   <p:clrMapOvr>
     <a:masterClrMapping/>
   </p:clrMapOvr>
-  <mc:AlternateContent xmlns:mc="http://schemas.openxmlformats.org/markup-compatibility/2006">
-    <mc:Choice xmlns:p159="http://schemas.microsoft.com/office/powerpoint/2015/09/main" Requires="p159">
-      <p:transition>
-        <p159:morph option="byChar"/>
-      </p:transition>
-    </mc:Choice>
-    <mc:Fallback>
-      <p:transition>
-        <p:fade/>
-      </p:transition>
-    </mc:Fallback>
-  </mc:AlternateContent>
+  <p:transition spd="med"/>
 </p:sldLayout>
 </file>
 
@@ -4001,18 +3912,7 @@
   <p:clrMapOvr>
     <a:masterClrMapping/>
   </p:clrMapOvr>
-  <mc:AlternateContent xmlns:mc="http://schemas.openxmlformats.org/markup-compatibility/2006">
-    <mc:Choice xmlns:p159="http://schemas.microsoft.com/office/powerpoint/2015/09/main" Requires="p159">
-      <p:transition>
-        <p159:morph option="byChar"/>
-      </p:transition>
-    </mc:Choice>
-    <mc:Fallback>
-      <p:transition>
-        <p:fade/>
-      </p:transition>
-    </mc:Fallback>
-  </mc:AlternateContent>
+  <p:transition spd="med"/>
 </p:sldLayout>
 </file>
 
@@ -4089,9 +3989,10 @@
           </a:lstStyle>
           <a:p>
             <a:r>
-              <a:rPr lang="ko-KR" altLang="en-US"/>
+              <a:rPr lang="ko-KR" altLang="en-US" smtClean="0"/>
               <a:t>마스터 제목 스타일 편집</a:t>
             </a:r>
+            <a:endParaRPr lang="ko-KR" altLang="en-US"/>
           </a:p>
         </p:txBody>
       </p:sp>
@@ -4148,37 +4049,38 @@
           <a:p>
             <a:pPr lvl="0"/>
             <a:r>
-              <a:rPr lang="ko-KR" altLang="en-US" dirty="0"/>
+              <a:rPr lang="ko-KR" altLang="en-US" dirty="0" smtClean="0"/>
               <a:t>마스터 텍스트 스타일을 편집합니다</a:t>
             </a:r>
           </a:p>
           <a:p>
             <a:pPr lvl="1"/>
             <a:r>
-              <a:rPr lang="ko-KR" altLang="en-US" dirty="0"/>
+              <a:rPr lang="ko-KR" altLang="en-US" dirty="0" smtClean="0"/>
               <a:t>둘째 수준</a:t>
             </a:r>
           </a:p>
           <a:p>
             <a:pPr lvl="2"/>
             <a:r>
-              <a:rPr lang="ko-KR" altLang="en-US" dirty="0"/>
+              <a:rPr lang="ko-KR" altLang="en-US" dirty="0" smtClean="0"/>
               <a:t>셋째 수준</a:t>
             </a:r>
           </a:p>
           <a:p>
             <a:pPr lvl="3"/>
             <a:r>
-              <a:rPr lang="ko-KR" altLang="en-US" dirty="0"/>
+              <a:rPr lang="ko-KR" altLang="en-US" dirty="0" smtClean="0"/>
               <a:t>넷째 수준</a:t>
             </a:r>
           </a:p>
           <a:p>
             <a:pPr lvl="4"/>
             <a:r>
-              <a:rPr lang="ko-KR" altLang="en-US" dirty="0"/>
+              <a:rPr lang="ko-KR" altLang="en-US" dirty="0" smtClean="0"/>
               <a:t>다섯째 수준</a:t>
             </a:r>
+            <a:endParaRPr lang="ko-KR" altLang="en-US" dirty="0"/>
           </a:p>
         </p:txBody>
       </p:sp>
@@ -4192,18 +4094,7 @@
   <p:clrMapOvr>
     <a:masterClrMapping/>
   </p:clrMapOvr>
-  <mc:AlternateContent xmlns:mc="http://schemas.openxmlformats.org/markup-compatibility/2006">
-    <mc:Choice xmlns:p159="http://schemas.microsoft.com/office/powerpoint/2015/09/main" Requires="p159">
-      <p:transition>
-        <p159:morph option="byChar"/>
-      </p:transition>
-    </mc:Choice>
-    <mc:Fallback>
-      <p:transition>
-        <p:fade/>
-      </p:transition>
-    </mc:Fallback>
-  </mc:AlternateContent>
+  <p:transition spd="med"/>
 </p:sldLayout>
 </file>
 
@@ -4249,9 +4140,10 @@
           </a:lstStyle>
           <a:p>
             <a:r>
-              <a:rPr lang="ko-KR" altLang="en-US"/>
+              <a:rPr lang="ko-KR" altLang="en-US" smtClean="0"/>
               <a:t>마스터 제목 스타일 편집</a:t>
             </a:r>
+            <a:endParaRPr lang="ko-KR" altLang="en-US"/>
           </a:p>
         </p:txBody>
       </p:sp>
@@ -4305,37 +4197,38 @@
           <a:p>
             <a:pPr lvl="0"/>
             <a:r>
-              <a:rPr lang="ko-KR" altLang="en-US"/>
+              <a:rPr lang="ko-KR" altLang="en-US" smtClean="0"/>
               <a:t>마스터 텍스트 스타일을 편집합니다</a:t>
             </a:r>
           </a:p>
           <a:p>
             <a:pPr lvl="1"/>
             <a:r>
-              <a:rPr lang="ko-KR" altLang="en-US"/>
+              <a:rPr lang="ko-KR" altLang="en-US" smtClean="0"/>
               <a:t>둘째 수준</a:t>
             </a:r>
           </a:p>
           <a:p>
             <a:pPr lvl="2"/>
             <a:r>
-              <a:rPr lang="ko-KR" altLang="en-US"/>
+              <a:rPr lang="ko-KR" altLang="en-US" smtClean="0"/>
               <a:t>셋째 수준</a:t>
             </a:r>
           </a:p>
           <a:p>
             <a:pPr lvl="3"/>
             <a:r>
-              <a:rPr lang="ko-KR" altLang="en-US"/>
+              <a:rPr lang="ko-KR" altLang="en-US" smtClean="0"/>
               <a:t>넷째 수준</a:t>
             </a:r>
           </a:p>
           <a:p>
             <a:pPr lvl="4"/>
             <a:r>
-              <a:rPr lang="ko-KR" altLang="en-US"/>
+              <a:rPr lang="ko-KR" altLang="en-US" smtClean="0"/>
               <a:t>다섯째 수준</a:t>
             </a:r>
+            <a:endParaRPr lang="ko-KR" altLang="en-US"/>
           </a:p>
         </p:txBody>
       </p:sp>
@@ -4398,7 +4291,7 @@
           <a:p>
             <a:pPr lvl="0"/>
             <a:r>
-              <a:rPr lang="ko-KR" altLang="en-US"/>
+              <a:rPr lang="ko-KR" altLang="en-US" smtClean="0"/>
               <a:t>마스터 텍스트 스타일을 편집합니다</a:t>
             </a:r>
           </a:p>
@@ -4414,18 +4307,7 @@
   <p:clrMapOvr>
     <a:masterClrMapping/>
   </p:clrMapOvr>
-  <mc:AlternateContent xmlns:mc="http://schemas.openxmlformats.org/markup-compatibility/2006">
-    <mc:Choice xmlns:p159="http://schemas.microsoft.com/office/powerpoint/2015/09/main" Requires="p159">
-      <p:transition>
-        <p159:morph option="byChar"/>
-      </p:transition>
-    </mc:Choice>
-    <mc:Fallback>
-      <p:transition>
-        <p:fade/>
-      </p:transition>
-    </mc:Fallback>
-  </mc:AlternateContent>
+  <p:transition spd="med"/>
 </p:sldLayout>
 </file>
 
@@ -4471,9 +4353,10 @@
           </a:lstStyle>
           <a:p>
             <a:r>
-              <a:rPr lang="ko-KR" altLang="en-US"/>
+              <a:rPr lang="ko-KR" altLang="en-US" smtClean="0"/>
               <a:t>마스터 제목 스타일 편집</a:t>
             </a:r>
+            <a:endParaRPr lang="ko-KR" altLang="en-US"/>
           </a:p>
         </p:txBody>
       </p:sp>
@@ -4535,7 +4418,7 @@
           </a:lstStyle>
           <a:p>
             <a:pPr lvl="0"/>
-            <a:endParaRPr lang="ko-KR" altLang="en-US" noProof="0"/>
+            <a:endParaRPr lang="ko-KR" altLang="en-US" noProof="0" smtClean="0"/>
           </a:p>
         </p:txBody>
       </p:sp>
@@ -4598,7 +4481,7 @@
           <a:p>
             <a:pPr lvl="0"/>
             <a:r>
-              <a:rPr lang="ko-KR" altLang="en-US"/>
+              <a:rPr lang="ko-KR" altLang="en-US" smtClean="0"/>
               <a:t>마스터 텍스트 스타일을 편집합니다</a:t>
             </a:r>
           </a:p>
@@ -4614,18 +4497,7 @@
   <p:clrMapOvr>
     <a:masterClrMapping/>
   </p:clrMapOvr>
-  <mc:AlternateContent xmlns:mc="http://schemas.openxmlformats.org/markup-compatibility/2006">
-    <mc:Choice xmlns:p159="http://schemas.microsoft.com/office/powerpoint/2015/09/main" Requires="p159">
-      <p:transition>
-        <p159:morph option="byChar"/>
-      </p:transition>
-    </mc:Choice>
-    <mc:Fallback>
-      <p:transition>
-        <p:fade/>
-      </p:transition>
-    </mc:Fallback>
-  </mc:AlternateContent>
+  <p:transition spd="med"/>
 </p:sldLayout>
 </file>
 
@@ -4662,9 +4534,10 @@
           <a:lstStyle/>
           <a:p>
             <a:r>
-              <a:rPr lang="ko-KR" altLang="en-US"/>
+              <a:rPr lang="ko-KR" altLang="en-US" smtClean="0"/>
               <a:t>마스터 제목 스타일 편집</a:t>
             </a:r>
+            <a:endParaRPr lang="ko-KR" altLang="en-US"/>
           </a:p>
         </p:txBody>
       </p:sp>
@@ -4685,37 +4558,38 @@
           <a:p>
             <a:pPr lvl="0"/>
             <a:r>
-              <a:rPr lang="ko-KR" altLang="en-US"/>
+              <a:rPr lang="ko-KR" altLang="en-US" smtClean="0"/>
               <a:t>마스터 텍스트 스타일을 편집합니다</a:t>
             </a:r>
           </a:p>
           <a:p>
             <a:pPr lvl="1"/>
             <a:r>
-              <a:rPr lang="ko-KR" altLang="en-US"/>
+              <a:rPr lang="ko-KR" altLang="en-US" smtClean="0"/>
               <a:t>둘째 수준</a:t>
             </a:r>
           </a:p>
           <a:p>
             <a:pPr lvl="2"/>
             <a:r>
-              <a:rPr lang="ko-KR" altLang="en-US"/>
+              <a:rPr lang="ko-KR" altLang="en-US" smtClean="0"/>
               <a:t>셋째 수준</a:t>
             </a:r>
           </a:p>
           <a:p>
             <a:pPr lvl="3"/>
             <a:r>
-              <a:rPr lang="ko-KR" altLang="en-US"/>
+              <a:rPr lang="ko-KR" altLang="en-US" smtClean="0"/>
               <a:t>넷째 수준</a:t>
             </a:r>
           </a:p>
           <a:p>
             <a:pPr lvl="4"/>
             <a:r>
-              <a:rPr lang="ko-KR" altLang="en-US"/>
+              <a:rPr lang="ko-KR" altLang="en-US" smtClean="0"/>
               <a:t>다섯째 수준</a:t>
             </a:r>
+            <a:endParaRPr lang="ko-KR" altLang="en-US"/>
           </a:p>
         </p:txBody>
       </p:sp>
@@ -4729,18 +4603,7 @@
   <p:clrMapOvr>
     <a:masterClrMapping/>
   </p:clrMapOvr>
-  <mc:AlternateContent xmlns:mc="http://schemas.openxmlformats.org/markup-compatibility/2006">
-    <mc:Choice xmlns:p159="http://schemas.microsoft.com/office/powerpoint/2015/09/main" Requires="p159">
-      <p:transition>
-        <p159:morph option="byChar"/>
-      </p:transition>
-    </mc:Choice>
-    <mc:Fallback>
-      <p:transition>
-        <p:fade/>
-      </p:transition>
-    </mc:Fallback>
-  </mc:AlternateContent>
+  <p:transition spd="med"/>
 </p:sldLayout>
 </file>
 
@@ -4782,9 +4645,10 @@
           <a:lstStyle/>
           <a:p>
             <a:r>
-              <a:rPr lang="ko-KR" altLang="en-US"/>
+              <a:rPr lang="ko-KR" altLang="en-US" smtClean="0"/>
               <a:t>마스터 제목 스타일 편집</a:t>
             </a:r>
+            <a:endParaRPr lang="ko-KR" altLang="en-US"/>
           </a:p>
         </p:txBody>
       </p:sp>
@@ -4810,37 +4674,38 @@
           <a:p>
             <a:pPr lvl="0"/>
             <a:r>
-              <a:rPr lang="ko-KR" altLang="en-US"/>
+              <a:rPr lang="ko-KR" altLang="en-US" smtClean="0"/>
               <a:t>마스터 텍스트 스타일을 편집합니다</a:t>
             </a:r>
           </a:p>
           <a:p>
             <a:pPr lvl="1"/>
             <a:r>
-              <a:rPr lang="ko-KR" altLang="en-US"/>
+              <a:rPr lang="ko-KR" altLang="en-US" smtClean="0"/>
               <a:t>둘째 수준</a:t>
             </a:r>
           </a:p>
           <a:p>
             <a:pPr lvl="2"/>
             <a:r>
-              <a:rPr lang="ko-KR" altLang="en-US"/>
+              <a:rPr lang="ko-KR" altLang="en-US" smtClean="0"/>
               <a:t>셋째 수준</a:t>
             </a:r>
           </a:p>
           <a:p>
             <a:pPr lvl="3"/>
             <a:r>
-              <a:rPr lang="ko-KR" altLang="en-US"/>
+              <a:rPr lang="ko-KR" altLang="en-US" smtClean="0"/>
               <a:t>넷째 수준</a:t>
             </a:r>
           </a:p>
           <a:p>
             <a:pPr lvl="4"/>
             <a:r>
-              <a:rPr lang="ko-KR" altLang="en-US"/>
+              <a:rPr lang="ko-KR" altLang="en-US" smtClean="0"/>
               <a:t>다섯째 수준</a:t>
             </a:r>
+            <a:endParaRPr lang="ko-KR" altLang="en-US"/>
           </a:p>
         </p:txBody>
       </p:sp>
@@ -4854,18 +4719,7 @@
   <p:clrMapOvr>
     <a:masterClrMapping/>
   </p:clrMapOvr>
-  <mc:AlternateContent xmlns:mc="http://schemas.openxmlformats.org/markup-compatibility/2006">
-    <mc:Choice xmlns:p159="http://schemas.microsoft.com/office/powerpoint/2015/09/main" Requires="p159">
-      <p:transition>
-        <p159:morph option="byChar"/>
-      </p:transition>
-    </mc:Choice>
-    <mc:Fallback>
-      <p:transition>
-        <p:fade/>
-      </p:transition>
-    </mc:Fallback>
-  </mc:AlternateContent>
+  <p:transition spd="med"/>
 </p:sldLayout>
 </file>
 
@@ -4911,9 +4765,10 @@
           </a:lstStyle>
           <a:p>
             <a:r>
-              <a:rPr lang="ko-KR" altLang="en-US"/>
+              <a:rPr lang="ko-KR" altLang="en-US" smtClean="0"/>
               <a:t>마스터 제목 스타일 편집</a:t>
             </a:r>
+            <a:endParaRPr lang="ko-KR" altLang="en-US"/>
           </a:p>
         </p:txBody>
       </p:sp>
@@ -4976,7 +4831,7 @@
           <a:p>
             <a:pPr lvl="0"/>
             <a:r>
-              <a:rPr lang="ko-KR" altLang="en-US"/>
+              <a:rPr lang="ko-KR" altLang="en-US" smtClean="0"/>
               <a:t>마스터 텍스트 스타일을 편집합니다</a:t>
             </a:r>
           </a:p>
@@ -4992,18 +4847,7 @@
   <p:clrMapOvr>
     <a:masterClrMapping/>
   </p:clrMapOvr>
-  <mc:AlternateContent xmlns:mc="http://schemas.openxmlformats.org/markup-compatibility/2006">
-    <mc:Choice xmlns:p159="http://schemas.microsoft.com/office/powerpoint/2015/09/main" Requires="p159">
-      <p:transition>
-        <p159:morph option="byChar"/>
-      </p:transition>
-    </mc:Choice>
-    <mc:Fallback>
-      <p:transition>
-        <p:fade/>
-      </p:transition>
-    </mc:Fallback>
-  </mc:AlternateContent>
+  <p:transition spd="med"/>
 </p:sldLayout>
 </file>
 
@@ -5040,9 +4884,10 @@
           <a:lstStyle/>
           <a:p>
             <a:r>
-              <a:rPr lang="ko-KR" altLang="en-US"/>
+              <a:rPr lang="ko-KR" altLang="en-US" smtClean="0"/>
               <a:t>마스터 제목 스타일 편집</a:t>
             </a:r>
+            <a:endParaRPr lang="ko-KR" altLang="en-US"/>
           </a:p>
         </p:txBody>
       </p:sp>
@@ -5096,37 +4941,38 @@
           <a:p>
             <a:pPr lvl="0"/>
             <a:r>
-              <a:rPr lang="ko-KR" altLang="en-US"/>
+              <a:rPr lang="ko-KR" altLang="en-US" smtClean="0"/>
               <a:t>마스터 텍스트 스타일을 편집합니다</a:t>
             </a:r>
           </a:p>
           <a:p>
             <a:pPr lvl="1"/>
             <a:r>
-              <a:rPr lang="ko-KR" altLang="en-US"/>
+              <a:rPr lang="ko-KR" altLang="en-US" smtClean="0"/>
               <a:t>둘째 수준</a:t>
             </a:r>
           </a:p>
           <a:p>
             <a:pPr lvl="2"/>
             <a:r>
-              <a:rPr lang="ko-KR" altLang="en-US"/>
+              <a:rPr lang="ko-KR" altLang="en-US" smtClean="0"/>
               <a:t>셋째 수준</a:t>
             </a:r>
           </a:p>
           <a:p>
             <a:pPr lvl="3"/>
             <a:r>
-              <a:rPr lang="ko-KR" altLang="en-US"/>
+              <a:rPr lang="ko-KR" altLang="en-US" smtClean="0"/>
               <a:t>넷째 수준</a:t>
             </a:r>
           </a:p>
           <a:p>
             <a:pPr lvl="4"/>
             <a:r>
-              <a:rPr lang="ko-KR" altLang="en-US"/>
+              <a:rPr lang="ko-KR" altLang="en-US" smtClean="0"/>
               <a:t>다섯째 수준</a:t>
             </a:r>
+            <a:endParaRPr lang="ko-KR" altLang="en-US"/>
           </a:p>
         </p:txBody>
       </p:sp>
@@ -5180,37 +5026,38 @@
           <a:p>
             <a:pPr lvl="0"/>
             <a:r>
-              <a:rPr lang="ko-KR" altLang="en-US"/>
+              <a:rPr lang="ko-KR" altLang="en-US" smtClean="0"/>
               <a:t>마스터 텍스트 스타일을 편집합니다</a:t>
             </a:r>
           </a:p>
           <a:p>
             <a:pPr lvl="1"/>
             <a:r>
-              <a:rPr lang="ko-KR" altLang="en-US"/>
+              <a:rPr lang="ko-KR" altLang="en-US" smtClean="0"/>
               <a:t>둘째 수준</a:t>
             </a:r>
           </a:p>
           <a:p>
             <a:pPr lvl="2"/>
             <a:r>
-              <a:rPr lang="ko-KR" altLang="en-US"/>
+              <a:rPr lang="ko-KR" altLang="en-US" smtClean="0"/>
               <a:t>셋째 수준</a:t>
             </a:r>
           </a:p>
           <a:p>
             <a:pPr lvl="3"/>
             <a:r>
-              <a:rPr lang="ko-KR" altLang="en-US"/>
+              <a:rPr lang="ko-KR" altLang="en-US" smtClean="0"/>
               <a:t>넷째 수준</a:t>
             </a:r>
           </a:p>
           <a:p>
             <a:pPr lvl="4"/>
             <a:r>
-              <a:rPr lang="ko-KR" altLang="en-US"/>
+              <a:rPr lang="ko-KR" altLang="en-US" smtClean="0"/>
               <a:t>다섯째 수준</a:t>
             </a:r>
+            <a:endParaRPr lang="ko-KR" altLang="en-US"/>
           </a:p>
         </p:txBody>
       </p:sp>
@@ -5224,18 +5071,7 @@
   <p:clrMapOvr>
     <a:masterClrMapping/>
   </p:clrMapOvr>
-  <mc:AlternateContent xmlns:mc="http://schemas.openxmlformats.org/markup-compatibility/2006">
-    <mc:Choice xmlns:p159="http://schemas.microsoft.com/office/powerpoint/2015/09/main" Requires="p159">
-      <p:transition>
-        <p159:morph option="byChar"/>
-      </p:transition>
-    </mc:Choice>
-    <mc:Fallback>
-      <p:transition>
-        <p:fade/>
-      </p:transition>
-    </mc:Fallback>
-  </mc:AlternateContent>
+  <p:transition spd="med"/>
 </p:sldLayout>
 </file>
 
@@ -5272,9 +5108,10 @@
           <a:lstStyle/>
           <a:p>
             <a:r>
-              <a:rPr lang="ko-KR" altLang="en-US"/>
+              <a:rPr lang="ko-KR" altLang="en-US" smtClean="0"/>
               <a:t>마스터 제목 스타일 편집</a:t>
             </a:r>
+            <a:endParaRPr lang="ko-KR" altLang="en-US"/>
           </a:p>
         </p:txBody>
       </p:sp>
@@ -5288,18 +5125,7 @@
   <p:clrMapOvr>
     <a:masterClrMapping/>
   </p:clrMapOvr>
-  <mc:AlternateContent xmlns:mc="http://schemas.openxmlformats.org/markup-compatibility/2006">
-    <mc:Choice xmlns:p159="http://schemas.microsoft.com/office/powerpoint/2015/09/main" Requires="p159">
-      <p:transition>
-        <p159:morph option="byChar"/>
-      </p:transition>
-    </mc:Choice>
-    <mc:Fallback>
-      <p:transition>
-        <p:fade/>
-      </p:transition>
-    </mc:Fallback>
-  </mc:AlternateContent>
+  <p:transition spd="med"/>
 </p:sldLayout>
 </file>
 
@@ -5330,18 +5156,7 @@
   <p:clrMapOvr>
     <a:masterClrMapping/>
   </p:clrMapOvr>
-  <mc:AlternateContent xmlns:mc="http://schemas.openxmlformats.org/markup-compatibility/2006">
-    <mc:Choice xmlns:p159="http://schemas.microsoft.com/office/powerpoint/2015/09/main" Requires="p159">
-      <p:transition>
-        <p159:morph option="byChar"/>
-      </p:transition>
-    </mc:Choice>
-    <mc:Fallback>
-      <p:transition>
-        <p:fade/>
-      </p:transition>
-    </mc:Fallback>
-  </mc:AlternateContent>
+  <p:transition spd="med"/>
 </p:sldLayout>
 </file>
 
@@ -5387,9 +5202,10 @@
           </a:lstStyle>
           <a:p>
             <a:r>
-              <a:rPr lang="ko-KR" altLang="en-US"/>
+              <a:rPr lang="ko-KR" altLang="en-US" smtClean="0"/>
               <a:t>마스터 제목 스타일 편집</a:t>
             </a:r>
+            <a:endParaRPr lang="ko-KR" altLang="en-US"/>
           </a:p>
         </p:txBody>
       </p:sp>
@@ -5443,37 +5259,38 @@
           <a:p>
             <a:pPr lvl="0"/>
             <a:r>
-              <a:rPr lang="ko-KR" altLang="en-US"/>
+              <a:rPr lang="ko-KR" altLang="en-US" smtClean="0"/>
               <a:t>마스터 텍스트 스타일을 편집합니다</a:t>
             </a:r>
           </a:p>
           <a:p>
             <a:pPr lvl="1"/>
             <a:r>
-              <a:rPr lang="ko-KR" altLang="en-US"/>
+              <a:rPr lang="ko-KR" altLang="en-US" smtClean="0"/>
               <a:t>둘째 수준</a:t>
             </a:r>
           </a:p>
           <a:p>
             <a:pPr lvl="2"/>
             <a:r>
-              <a:rPr lang="ko-KR" altLang="en-US"/>
+              <a:rPr lang="ko-KR" altLang="en-US" smtClean="0"/>
               <a:t>셋째 수준</a:t>
             </a:r>
           </a:p>
           <a:p>
             <a:pPr lvl="3"/>
             <a:r>
-              <a:rPr lang="ko-KR" altLang="en-US"/>
+              <a:rPr lang="ko-KR" altLang="en-US" smtClean="0"/>
               <a:t>넷째 수준</a:t>
             </a:r>
           </a:p>
           <a:p>
             <a:pPr lvl="4"/>
             <a:r>
-              <a:rPr lang="ko-KR" altLang="en-US"/>
+              <a:rPr lang="ko-KR" altLang="en-US" smtClean="0"/>
               <a:t>다섯째 수준</a:t>
             </a:r>
+            <a:endParaRPr lang="ko-KR" altLang="en-US"/>
           </a:p>
         </p:txBody>
       </p:sp>
@@ -5536,7 +5353,7 @@
           <a:p>
             <a:pPr lvl="0"/>
             <a:r>
-              <a:rPr lang="ko-KR" altLang="en-US"/>
+              <a:rPr lang="ko-KR" altLang="en-US" smtClean="0"/>
               <a:t>마스터 텍스트 스타일을 편집합니다</a:t>
             </a:r>
           </a:p>
@@ -5552,18 +5369,7 @@
   <p:clrMapOvr>
     <a:masterClrMapping/>
   </p:clrMapOvr>
-  <mc:AlternateContent xmlns:mc="http://schemas.openxmlformats.org/markup-compatibility/2006">
-    <mc:Choice xmlns:p159="http://schemas.microsoft.com/office/powerpoint/2015/09/main" Requires="p159">
-      <p:transition>
-        <p159:morph option="byChar"/>
-      </p:transition>
-    </mc:Choice>
-    <mc:Fallback>
-      <p:transition>
-        <p:fade/>
-      </p:transition>
-    </mc:Fallback>
-  </mc:AlternateContent>
+  <p:transition spd="med"/>
 </p:sldLayout>
 </file>
 
@@ -5609,9 +5415,10 @@
           </a:lstStyle>
           <a:p>
             <a:r>
-              <a:rPr lang="ko-KR" altLang="en-US"/>
+              <a:rPr lang="ko-KR" altLang="en-US" smtClean="0"/>
               <a:t>마스터 제목 스타일 편집</a:t>
             </a:r>
+            <a:endParaRPr lang="ko-KR" altLang="en-US"/>
           </a:p>
         </p:txBody>
       </p:sp>
@@ -5673,7 +5480,7 @@
           </a:lstStyle>
           <a:p>
             <a:pPr lvl="0"/>
-            <a:endParaRPr lang="ko-KR" altLang="en-US" noProof="0"/>
+            <a:endParaRPr lang="ko-KR" altLang="en-US" noProof="0" smtClean="0"/>
           </a:p>
         </p:txBody>
       </p:sp>
@@ -5736,7 +5543,7 @@
           <a:p>
             <a:pPr lvl="0"/>
             <a:r>
-              <a:rPr lang="ko-KR" altLang="en-US"/>
+              <a:rPr lang="ko-KR" altLang="en-US" smtClean="0"/>
               <a:t>마스터 텍스트 스타일을 편집합니다</a:t>
             </a:r>
           </a:p>
@@ -5752,18 +5559,7 @@
   <p:clrMapOvr>
     <a:masterClrMapping/>
   </p:clrMapOvr>
-  <mc:AlternateContent xmlns:mc="http://schemas.openxmlformats.org/markup-compatibility/2006">
-    <mc:Choice xmlns:p159="http://schemas.microsoft.com/office/powerpoint/2015/09/main" Requires="p159">
-      <p:transition>
-        <p159:morph option="byChar"/>
-      </p:transition>
-    </mc:Choice>
-    <mc:Fallback>
-      <p:transition>
-        <p:fade/>
-      </p:transition>
-    </mc:Fallback>
-  </mc:AlternateContent>
+  <p:transition spd="med"/>
 </p:sldLayout>
 </file>
 
@@ -5805,9 +5601,10 @@
           <a:lstStyle/>
           <a:p>
             <a:r>
-              <a:rPr lang="ko-KR" altLang="en-US"/>
+              <a:rPr lang="ko-KR" altLang="en-US" smtClean="0"/>
               <a:t>마스터 제목 스타일 편집</a:t>
             </a:r>
+            <a:endParaRPr lang="ko-KR" altLang="en-US"/>
           </a:p>
         </p:txBody>
       </p:sp>
@@ -5828,37 +5625,38 @@
           <a:p>
             <a:pPr lvl="0"/>
             <a:r>
-              <a:rPr lang="ko-KR" altLang="en-US"/>
+              <a:rPr lang="ko-KR" altLang="en-US" smtClean="0"/>
               <a:t>마스터 텍스트 스타일을 편집합니다</a:t>
             </a:r>
           </a:p>
           <a:p>
             <a:pPr lvl="1"/>
             <a:r>
-              <a:rPr lang="ko-KR" altLang="en-US"/>
+              <a:rPr lang="ko-KR" altLang="en-US" smtClean="0"/>
               <a:t>둘째 수준</a:t>
             </a:r>
           </a:p>
           <a:p>
             <a:pPr lvl="2"/>
             <a:r>
-              <a:rPr lang="ko-KR" altLang="en-US"/>
+              <a:rPr lang="ko-KR" altLang="en-US" smtClean="0"/>
               <a:t>셋째 수준</a:t>
             </a:r>
           </a:p>
           <a:p>
             <a:pPr lvl="3"/>
             <a:r>
-              <a:rPr lang="ko-KR" altLang="en-US"/>
+              <a:rPr lang="ko-KR" altLang="en-US" smtClean="0"/>
               <a:t>넷째 수준</a:t>
             </a:r>
           </a:p>
           <a:p>
             <a:pPr lvl="4"/>
             <a:r>
-              <a:rPr lang="ko-KR" altLang="en-US"/>
+              <a:rPr lang="ko-KR" altLang="en-US" smtClean="0"/>
               <a:t>다섯째 수준</a:t>
             </a:r>
+            <a:endParaRPr lang="ko-KR" altLang="en-US"/>
           </a:p>
         </p:txBody>
       </p:sp>
@@ -5872,18 +5670,7 @@
   <p:clrMapOvr>
     <a:masterClrMapping/>
   </p:clrMapOvr>
-  <mc:AlternateContent xmlns:mc="http://schemas.openxmlformats.org/markup-compatibility/2006">
-    <mc:Choice xmlns:p159="http://schemas.microsoft.com/office/powerpoint/2015/09/main" Requires="p159">
-      <p:transition>
-        <p159:morph option="byChar"/>
-      </p:transition>
-    </mc:Choice>
-    <mc:Fallback>
-      <p:transition>
-        <p:fade/>
-      </p:transition>
-    </mc:Fallback>
-  </mc:AlternateContent>
+  <p:transition spd="med"/>
 </p:sldLayout>
 </file>
 
@@ -6060,7 +5847,7 @@
             <a:pPr algn="ctr" eaLnBrk="1" latinLnBrk="1" hangingPunct="1">
               <a:defRPr/>
             </a:pPr>
-            <a:endParaRPr lang="ko-KR" altLang="ko-KR" sz="1800">
+            <a:endParaRPr lang="ko-KR" altLang="ko-KR" sz="1800" smtClean="0">
               <a:solidFill>
                 <a:schemeClr val="bg1"/>
               </a:solidFill>
@@ -6120,7 +5907,7 @@
           <a:p>
             <a:pPr lvl="0"/>
             <a:r>
-              <a:rPr lang="ko-KR" altLang="en-US"/>
+              <a:rPr lang="ko-KR" altLang="en-US" smtClean="0"/>
               <a:t>마스터 제목 스타일 편집</a:t>
             </a:r>
           </a:p>
@@ -6178,42 +5965,42 @@
           <a:p>
             <a:pPr lvl="0"/>
             <a:r>
-              <a:rPr lang="en-US" altLang="ko-KR"/>
+              <a:rPr lang="en-US" altLang="ko-KR" smtClean="0"/>
               <a:t>1</a:t>
             </a:r>
-            <a:endParaRPr lang="ko-KR" altLang="en-US"/>
+            <a:endParaRPr lang="ko-KR" altLang="en-US" smtClean="0"/>
           </a:p>
           <a:p>
             <a:pPr lvl="1"/>
             <a:r>
-              <a:rPr lang="en-US" altLang="ko-KR"/>
+              <a:rPr lang="en-US" altLang="ko-KR" smtClean="0"/>
               <a:t>2</a:t>
             </a:r>
-            <a:endParaRPr lang="ko-KR" altLang="en-US"/>
+            <a:endParaRPr lang="ko-KR" altLang="en-US" smtClean="0"/>
           </a:p>
           <a:p>
             <a:pPr lvl="2"/>
             <a:r>
-              <a:rPr lang="en-US" altLang="ko-KR"/>
+              <a:rPr lang="en-US" altLang="ko-KR" smtClean="0"/>
               <a:t>3</a:t>
             </a:r>
-            <a:endParaRPr lang="ko-KR" altLang="en-US"/>
+            <a:endParaRPr lang="ko-KR" altLang="en-US" smtClean="0"/>
           </a:p>
           <a:p>
             <a:pPr lvl="3"/>
             <a:r>
-              <a:rPr lang="en-US" altLang="ko-KR"/>
+              <a:rPr lang="en-US" altLang="ko-KR" smtClean="0"/>
               <a:t>4</a:t>
             </a:r>
-            <a:endParaRPr lang="ko-KR" altLang="en-US"/>
+            <a:endParaRPr lang="ko-KR" altLang="en-US" smtClean="0"/>
           </a:p>
           <a:p>
             <a:pPr lvl="4"/>
             <a:r>
-              <a:rPr lang="en-US" altLang="ko-KR"/>
+              <a:rPr lang="en-US" altLang="ko-KR" smtClean="0"/>
               <a:t>5</a:t>
             </a:r>
-            <a:endParaRPr lang="ko-KR" altLang="en-US"/>
+            <a:endParaRPr lang="ko-KR" altLang="en-US" smtClean="0"/>
           </a:p>
         </p:txBody>
       </p:sp>
@@ -6366,7 +6153,7 @@
               <a:defRPr/>
             </a:pPr>
             <a:r>
-              <a:rPr lang="en-US" altLang="ko-KR" sz="1200">
+              <a:rPr lang="en-US" altLang="ko-KR" sz="1200" smtClean="0">
                 <a:solidFill>
                   <a:schemeClr val="bg1"/>
                 </a:solidFill>
@@ -6375,7 +6162,7 @@
               </a:rPr>
               <a:t>      Advanced Broadcasting &amp; Communications Lab.</a:t>
             </a:r>
-            <a:endParaRPr lang="en-US" altLang="ko-KR" sz="1800">
+            <a:endParaRPr lang="en-US" altLang="ko-KR" sz="1800" smtClean="0">
               <a:solidFill>
                 <a:schemeClr val="bg1"/>
               </a:solidFill>
@@ -6552,7 +6339,7 @@
               </a:pPr>
               <a:t>‹#›</a:t>
             </a:fld>
-            <a:endParaRPr lang="en-US" altLang="ko-KR" sz="1200">
+            <a:endParaRPr lang="en-US" altLang="ko-KR" sz="1200" smtClean="0">
               <a:solidFill>
                 <a:schemeClr val="bg1"/>
               </a:solidFill>
@@ -7045,7 +6832,7 @@
                 <a:defRPr/>
               </a:pPr>
               <a:r>
-                <a:rPr lang="en-US" altLang="ko-KR" sz="1600" i="1">
+                <a:rPr lang="en-US" altLang="ko-KR" sz="1600" i="1" smtClean="0">
                   <a:solidFill>
                     <a:srgbClr val="99CC00"/>
                   </a:solidFill>
@@ -7212,7 +6999,7 @@
                 <a:defRPr/>
               </a:pPr>
               <a:r>
-                <a:rPr lang="en-US" altLang="ko-KR" sz="2200" i="1">
+                <a:rPr lang="en-US" altLang="ko-KR" sz="2200" i="1" smtClean="0">
                   <a:solidFill>
                     <a:schemeClr val="bg1"/>
                   </a:solidFill>
@@ -7379,7 +7166,7 @@
                 <a:defRPr/>
               </a:pPr>
               <a:r>
-                <a:rPr lang="ko-KR" altLang="en-US" sz="900" i="1">
+                <a:rPr lang="ko-KR" altLang="en-US" sz="900" i="1" smtClean="0">
                   <a:solidFill>
                     <a:schemeClr val="bg1"/>
                   </a:solidFill>
@@ -7388,7 +7175,7 @@
                 <a:t>세계로</a:t>
               </a:r>
               <a:r>
-                <a:rPr lang="ko-KR" altLang="en-US" sz="900" i="1">
+                <a:rPr lang="ko-KR" altLang="en-US" sz="900" i="1" smtClean="0">
                   <a:solidFill>
                     <a:schemeClr val="bg2"/>
                   </a:solidFill>
@@ -7397,7 +7184,7 @@
                 <a:t> </a:t>
               </a:r>
               <a:r>
-                <a:rPr lang="ko-KR" altLang="en-US" sz="900" i="1">
+                <a:rPr lang="ko-KR" altLang="en-US" sz="900" i="1" smtClean="0">
                   <a:solidFill>
                     <a:schemeClr val="bg1"/>
                   </a:solidFill>
@@ -7426,18 +7213,14 @@
     <p:sldLayoutId id="2147484488" r:id="rId11"/>
     <p:sldLayoutId id="2147484489" r:id="rId12"/>
   </p:sldLayoutIdLst>
-  <mc:AlternateContent xmlns:mc="http://schemas.openxmlformats.org/markup-compatibility/2006">
-    <mc:Choice xmlns:p159="http://schemas.microsoft.com/office/powerpoint/2015/09/main" Requires="p159">
-      <p:transition>
-        <p159:morph option="byChar"/>
-      </p:transition>
-    </mc:Choice>
-    <mc:Fallback>
-      <p:transition>
-        <p:fade/>
-      </p:transition>
-    </mc:Fallback>
-  </mc:AlternateContent>
+  <p:transition spd="med"/>
+  <p:timing>
+    <p:tnLst>
+      <p:par>
+        <p:cTn id="1" dur="indefinite" restart="never" nodeType="tmRoot"/>
+      </p:par>
+    </p:tnLst>
+  </p:timing>
   <p:txStyles>
     <p:titleStyle>
       <a:lvl1pPr algn="r" rtl="0" eaLnBrk="0" fontAlgn="base" latinLnBrk="1" hangingPunct="0">
@@ -8005,14 +7788,14 @@
               <a:defRPr/>
             </a:pPr>
             <a:r>
-              <a:rPr lang="en-US" altLang="ko-KR" sz="1200">
+              <a:rPr lang="en-US" altLang="ko-KR" sz="1200" smtClean="0">
                 <a:solidFill>
                   <a:schemeClr val="bg1"/>
                 </a:solidFill>
               </a:rPr>
               <a:t>Broadcasting &amp; Communication Systems Lab.</a:t>
             </a:r>
-            <a:endParaRPr lang="en-US" altLang="ko-KR" sz="1800">
+            <a:endParaRPr lang="en-US" altLang="ko-KR" sz="1800" smtClean="0">
               <a:solidFill>
                 <a:schemeClr val="bg1"/>
               </a:solidFill>
@@ -8187,7 +7970,7 @@
               </a:pPr>
               <a:t>‹#›</a:t>
             </a:fld>
-            <a:endParaRPr lang="en-US" altLang="ko-KR" sz="1200">
+            <a:endParaRPr lang="en-US" altLang="ko-KR" sz="1200" smtClean="0">
               <a:solidFill>
                 <a:schemeClr val="bg1"/>
               </a:solidFill>
@@ -8429,7 +8212,7 @@
             <a:pPr algn="r" eaLnBrk="1" latinLnBrk="1" hangingPunct="1">
               <a:defRPr/>
             </a:pPr>
-            <a:endParaRPr lang="ko-KR" altLang="ko-KR" sz="1000">
+            <a:endParaRPr lang="ko-KR" altLang="ko-KR" sz="1000" smtClean="0">
               <a:solidFill>
                 <a:schemeClr val="bg1"/>
               </a:solidFill>
@@ -8758,42 +8541,42 @@
           <a:p>
             <a:pPr lvl="0"/>
             <a:r>
-              <a:rPr lang="ko-KR" altLang="en-US"/>
+              <a:rPr lang="ko-KR" altLang="en-US" smtClean="0"/>
               <a:t>마스터 텍스트 스타일을 편집합니다</a:t>
             </a:r>
           </a:p>
           <a:p>
             <a:pPr lvl="1"/>
             <a:r>
-              <a:rPr lang="ko-KR" altLang="en-US"/>
+              <a:rPr lang="ko-KR" altLang="en-US" smtClean="0"/>
               <a:t>둘째 수준</a:t>
             </a:r>
           </a:p>
           <a:p>
             <a:pPr lvl="2"/>
             <a:r>
-              <a:rPr lang="ko-KR" altLang="en-US"/>
+              <a:rPr lang="ko-KR" altLang="en-US" smtClean="0"/>
               <a:t>셋째 수준</a:t>
             </a:r>
           </a:p>
           <a:p>
             <a:pPr lvl="3"/>
             <a:r>
-              <a:rPr lang="ko-KR" altLang="en-US"/>
+              <a:rPr lang="ko-KR" altLang="en-US" smtClean="0"/>
               <a:t>넷째 수준</a:t>
             </a:r>
           </a:p>
           <a:p>
             <a:pPr lvl="4"/>
             <a:r>
-              <a:rPr lang="ko-KR" altLang="en-US"/>
+              <a:rPr lang="ko-KR" altLang="en-US" smtClean="0"/>
               <a:t>다섯째 수준</a:t>
             </a:r>
             <a:r>
-              <a:rPr lang="en-US" altLang="ko-KR"/>
+              <a:rPr lang="en-US" altLang="ko-KR" smtClean="0"/>
               <a:t>z</a:t>
             </a:r>
-            <a:endParaRPr lang="ko-KR" altLang="en-US"/>
+            <a:endParaRPr lang="ko-KR" altLang="en-US" smtClean="0"/>
           </a:p>
         </p:txBody>
       </p:sp>
@@ -8849,7 +8632,7 @@
           <a:p>
             <a:pPr lvl="0"/>
             <a:r>
-              <a:rPr lang="en-US" altLang="ko-KR"/>
+              <a:rPr lang="en-US" altLang="ko-KR" smtClean="0"/>
               <a:t>Contents</a:t>
             </a:r>
           </a:p>
@@ -9017,7 +8800,7 @@
               <a:defRPr/>
             </a:pPr>
             <a:r>
-              <a:rPr lang="ko-KR" altLang="en-US" sz="2000" i="0">
+              <a:rPr lang="ko-KR" altLang="en-US" sz="2000" i="0" smtClean="0">
                 <a:solidFill>
                   <a:schemeClr val="bg1"/>
                 </a:solidFill>
@@ -9026,6 +8809,13 @@
               </a:rPr>
               <a:t>마스터 제목 스타일 편집</a:t>
             </a:r>
+            <a:endParaRPr lang="ko-KR" altLang="en-US" sz="2000" i="0">
+              <a:solidFill>
+                <a:schemeClr val="bg1"/>
+              </a:solidFill>
+              <a:latin typeface="Arial Black" pitchFamily="34" charset="0"/>
+              <a:ea typeface="HY견고딕" pitchFamily="18" charset="-127"/>
+            </a:endParaRPr>
           </a:p>
         </p:txBody>
       </p:sp>
@@ -9201,7 +8991,7 @@
                 <a:defRPr/>
               </a:pPr>
               <a:r>
-                <a:rPr lang="en-US" altLang="ko-KR" sz="1600" i="1">
+                <a:rPr lang="en-US" altLang="ko-KR" sz="1600" i="1" smtClean="0">
                   <a:solidFill>
                     <a:srgbClr val="99CC00"/>
                   </a:solidFill>
@@ -9368,7 +9158,7 @@
                 <a:defRPr/>
               </a:pPr>
               <a:r>
-                <a:rPr lang="en-US" altLang="ko-KR" sz="2200" i="1">
+                <a:rPr lang="en-US" altLang="ko-KR" sz="2200" i="1" smtClean="0">
                   <a:solidFill>
                     <a:schemeClr val="bg1"/>
                   </a:solidFill>
@@ -9535,7 +9325,7 @@
                 <a:defRPr/>
               </a:pPr>
               <a:r>
-                <a:rPr lang="ko-KR" altLang="en-US" sz="900" i="1">
+                <a:rPr lang="ko-KR" altLang="en-US" sz="900" i="1" smtClean="0">
                   <a:solidFill>
                     <a:schemeClr val="bg1"/>
                   </a:solidFill>
@@ -9544,7 +9334,7 @@
                 <a:t>세계로</a:t>
               </a:r>
               <a:r>
-                <a:rPr lang="ko-KR" altLang="en-US" sz="900" i="1">
+                <a:rPr lang="ko-KR" altLang="en-US" sz="900" i="1" smtClean="0">
                   <a:solidFill>
                     <a:schemeClr val="bg2"/>
                   </a:solidFill>
@@ -9553,7 +9343,7 @@
                 <a:t> </a:t>
               </a:r>
               <a:r>
-                <a:rPr lang="ko-KR" altLang="en-US" sz="900" i="1">
+                <a:rPr lang="ko-KR" altLang="en-US" sz="900" i="1" smtClean="0">
                   <a:solidFill>
                     <a:schemeClr val="bg1"/>
                   </a:solidFill>
@@ -9581,18 +9371,14 @@
     <p:sldLayoutId id="2147484499" r:id="rId10"/>
     <p:sldLayoutId id="2147484500" r:id="rId11"/>
   </p:sldLayoutIdLst>
-  <mc:AlternateContent xmlns:mc="http://schemas.openxmlformats.org/markup-compatibility/2006">
-    <mc:Choice xmlns:p159="http://schemas.microsoft.com/office/powerpoint/2015/09/main" Requires="p159">
-      <p:transition>
-        <p159:morph option="byChar"/>
-      </p:transition>
-    </mc:Choice>
-    <mc:Fallback>
-      <p:transition>
-        <p:fade/>
-      </p:transition>
-    </mc:Fallback>
-  </mc:AlternateContent>
+  <p:transition spd="med"/>
+  <p:timing>
+    <p:tnLst>
+      <p:par>
+        <p:cTn id="1" dur="indefinite" restart="never" nodeType="tmRoot"/>
+      </p:par>
+    </p:tnLst>
+  </p:timing>
   <p:txStyles>
     <p:titleStyle>
       <a:lvl1pPr algn="l" rtl="0" eaLnBrk="0" fontAlgn="base" latinLnBrk="1" hangingPunct="0">
@@ -10059,7 +9845,7 @@
                 <a:latin typeface="Arial Black" panose="020B0A04020102020204" pitchFamily="34" charset="0"/>
               </a:rPr>
             </a:br>
-            <a:endParaRPr lang="en-US" altLang="ko-KR" sz="2800" b="0" dirty="0">
+            <a:endParaRPr lang="en-US" altLang="ko-KR" sz="2800" b="0" dirty="0" smtClean="0">
               <a:solidFill>
                 <a:srgbClr val="A50021"/>
               </a:solidFill>
@@ -10096,7 +9882,7 @@
               </a:lnSpc>
             </a:pPr>
             <a:r>
-              <a:rPr lang="en-US" altLang="ko-KR" dirty="0"/>
+              <a:rPr lang="en-US" altLang="ko-KR" dirty="0" smtClean="0"/>
               <a:t>Chapter 4 – Homework</a:t>
             </a:r>
           </a:p>
@@ -10106,7 +9892,7 @@
                 <a:spcPct val="90000"/>
               </a:lnSpc>
             </a:pPr>
-            <a:endParaRPr lang="en-US" altLang="ko-KR" sz="3200" dirty="0"/>
+            <a:endParaRPr lang="en-US" altLang="ko-KR" sz="3200" dirty="0" smtClean="0"/>
           </a:p>
         </p:txBody>
       </p:sp>
@@ -10115,18 +9901,14 @@
   <p:clrMapOvr>
     <a:masterClrMapping/>
   </p:clrMapOvr>
-  <mc:AlternateContent xmlns:mc="http://schemas.openxmlformats.org/markup-compatibility/2006">
-    <mc:Choice xmlns:p159="http://schemas.microsoft.com/office/powerpoint/2015/09/main" Requires="p159">
-      <p:transition>
-        <p159:morph option="byChar"/>
-      </p:transition>
-    </mc:Choice>
-    <mc:Fallback>
-      <p:transition>
-        <p:fade/>
-      </p:transition>
-    </mc:Fallback>
-  </mc:AlternateContent>
+  <p:transition spd="med"/>
+  <p:timing>
+    <p:tnLst>
+      <p:par>
+        <p:cTn id="1" dur="indefinite" restart="never" nodeType="tmRoot"/>
+      </p:par>
+    </p:tnLst>
+  </p:timing>
 </p:sld>
 </file>
 
@@ -10163,10 +9945,10 @@
           <a:lstStyle/>
           <a:p>
             <a:r>
-              <a:rPr lang="en-US" altLang="ko-KR" sz="2400" dirty="0"/>
+              <a:rPr lang="en-US" altLang="ko-KR" sz="2400" dirty="0" smtClean="0"/>
               <a:t>Homework #3</a:t>
             </a:r>
-            <a:endParaRPr lang="ko-KR" altLang="en-US" sz="2400" dirty="0"/>
+            <a:endParaRPr lang="ko-KR" altLang="en-US" sz="2400" dirty="0" smtClean="0"/>
           </a:p>
         </p:txBody>
       </p:sp>
@@ -10199,7 +9981,7 @@
               <a:defRPr/>
             </a:pPr>
             <a:r>
-              <a:rPr lang="en-US" altLang="ko-KR" sz="3200" dirty="0">
+              <a:rPr lang="en-US" altLang="ko-KR" sz="3200" dirty="0" smtClean="0">
                 <a:solidFill>
                   <a:srgbClr val="0070C0"/>
                 </a:solidFill>
@@ -10216,13 +9998,34 @@
               <a:defRPr/>
             </a:pPr>
             <a:r>
+              <a:rPr lang="en-US" altLang="ko-KR" sz="2000" b="1" i="1" dirty="0" smtClean="0">
+                <a:solidFill>
+                  <a:srgbClr val="A50021"/>
+                </a:solidFill>
+              </a:rPr>
+              <a:t>Solve Problems </a:t>
+            </a:r>
+            <a:r>
               <a:rPr lang="en-US" altLang="ko-KR" sz="2000" b="1" i="1" dirty="0">
                 <a:solidFill>
                   <a:srgbClr val="A50021"/>
                 </a:solidFill>
               </a:rPr>
-              <a:t>Solve Problems Solve Problems 4.6, 4.22, 4.42, 4.54</a:t>
-            </a:r>
+              <a:t>Solve Problems 4.6, 4.22, 4.42, </a:t>
+            </a:r>
+            <a:r>
+              <a:rPr lang="en-US" altLang="ko-KR" sz="2000" b="1" i="1" dirty="0" smtClean="0">
+                <a:solidFill>
+                  <a:srgbClr val="A50021"/>
+                </a:solidFill>
+              </a:rPr>
+              <a:t>4.54</a:t>
+            </a:r>
+            <a:endParaRPr lang="en-US" altLang="ko-KR" sz="2000" b="1" i="1" dirty="0">
+              <a:solidFill>
+                <a:srgbClr val="A50021"/>
+              </a:solidFill>
+            </a:endParaRPr>
           </a:p>
           <a:p>
             <a:pPr eaLnBrk="1" hangingPunct="1">
@@ -10232,15 +10035,23 @@
               <a:defRPr/>
             </a:pPr>
             <a:r>
-              <a:rPr lang="en-US" altLang="ko-KR" sz="2000" b="1" i="1" dirty="0">
+              <a:rPr lang="en-US" altLang="ko-KR" sz="2000" b="1" i="1" dirty="0" smtClean="0">
                 <a:solidFill>
                   <a:srgbClr val="A50021"/>
                 </a:solidFill>
               </a:rPr>
-              <a:t>Submit by 31</a:t>
-            </a:r>
-            <a:r>
-              <a:rPr lang="en-US" altLang="ko-KR" sz="2000" b="1" i="1" baseline="30000" dirty="0">
+              <a:t>Submit by </a:t>
+            </a:r>
+            <a:r>
+              <a:rPr lang="en-US" altLang="ko-KR" sz="2000" b="1" i="1" dirty="0" smtClean="0">
+                <a:solidFill>
+                  <a:srgbClr val="A50021"/>
+                </a:solidFill>
+              </a:rPr>
+              <a:t>31</a:t>
+            </a:r>
+            <a:r>
+              <a:rPr lang="en-US" altLang="ko-KR" sz="2000" b="1" i="1" baseline="30000" dirty="0" smtClean="0">
                 <a:solidFill>
                   <a:srgbClr val="A50021"/>
                 </a:solidFill>
@@ -10248,13 +10059,26 @@
               <a:t>st</a:t>
             </a:r>
             <a:r>
-              <a:rPr lang="en-US" altLang="ko-KR" sz="2000" b="1" i="1" dirty="0">
+              <a:rPr lang="en-US" altLang="ko-KR" sz="2000" b="1" i="1" dirty="0" smtClean="0">
                 <a:solidFill>
                   <a:srgbClr val="A50021"/>
                 </a:solidFill>
               </a:rPr>
-              <a:t> October.</a:t>
-            </a:r>
+              <a:t> </a:t>
+            </a:r>
+            <a:r>
+              <a:rPr lang="en-US" altLang="ko-KR" sz="2000" b="1" i="1" dirty="0" smtClean="0">
+                <a:solidFill>
+                  <a:srgbClr val="A50021"/>
+                </a:solidFill>
+              </a:rPr>
+              <a:t>October.</a:t>
+            </a:r>
+            <a:endParaRPr lang="en-US" altLang="ko-KR" sz="2000" b="1" i="1" dirty="0">
+              <a:solidFill>
+                <a:srgbClr val="A50021"/>
+              </a:solidFill>
+            </a:endParaRPr>
           </a:p>
           <a:p>
             <a:pPr eaLnBrk="1" hangingPunct="1">
@@ -10264,7 +10088,7 @@
               <a:defRPr/>
             </a:pPr>
             <a:r>
-              <a:rPr lang="en-US" altLang="ko-KR" sz="2000" b="1" dirty="0"/>
+              <a:rPr lang="en-US" altLang="ko-KR" sz="2000" b="1" dirty="0" smtClean="0"/>
               <a:t>Read Text Chapter 5. </a:t>
             </a:r>
           </a:p>
@@ -10276,7 +10100,7 @@
               <a:defRPr/>
             </a:pPr>
             <a:r>
-              <a:rPr lang="en-US" altLang="ko-KR" sz="2000" b="1" dirty="0"/>
+              <a:rPr lang="en-US" altLang="ko-KR" sz="2000" b="1" dirty="0" smtClean="0"/>
               <a:t>Prepare Presentation</a:t>
             </a:r>
           </a:p>
@@ -10284,7 +10108,7 @@
             <a:pPr>
               <a:defRPr/>
             </a:pPr>
-            <a:endParaRPr lang="ko-KR" altLang="en-US" sz="2000" dirty="0"/>
+            <a:endParaRPr lang="ko-KR" altLang="en-US" sz="2000" dirty="0" smtClean="0"/>
           </a:p>
         </p:txBody>
       </p:sp>
@@ -10298,18 +10122,14 @@
   <p:clrMapOvr>
     <a:masterClrMapping/>
   </p:clrMapOvr>
-  <mc:AlternateContent xmlns:mc="http://schemas.openxmlformats.org/markup-compatibility/2006">
-    <mc:Choice xmlns:p159="http://schemas.microsoft.com/office/powerpoint/2015/09/main" Requires="p159">
-      <p:transition>
-        <p159:morph option="byChar"/>
-      </p:transition>
-    </mc:Choice>
-    <mc:Fallback>
-      <p:transition>
-        <p:fade/>
-      </p:transition>
-    </mc:Fallback>
-  </mc:AlternateContent>
+  <p:transition spd="med"/>
+  <p:timing>
+    <p:tnLst>
+      <p:par>
+        <p:cTn id="1" dur="indefinite" restart="never" nodeType="tmRoot"/>
+      </p:par>
+    </p:tnLst>
+  </p:timing>
 </p:sld>
 </file>
 
@@ -10347,10 +10167,10 @@
           <a:p>
             <a:pPr eaLnBrk="1" hangingPunct="1"/>
             <a:r>
-              <a:rPr lang="en-US" altLang="ko-KR" sz="2400" dirty="0"/>
+              <a:rPr lang="en-US" altLang="ko-KR" sz="2400" dirty="0" smtClean="0"/>
               <a:t>Homework #3</a:t>
             </a:r>
-            <a:endParaRPr lang="ko-KR" altLang="en-US" sz="2400" dirty="0"/>
+            <a:endParaRPr lang="ko-KR" altLang="en-US" sz="2400" dirty="0" smtClean="0"/>
           </a:p>
         </p:txBody>
       </p:sp>
@@ -10379,7 +10199,7 @@
               <a:defRPr/>
             </a:pPr>
             <a:r>
-              <a:rPr lang="en-US" altLang="ko-KR" sz="2800" b="1" dirty="0">
+              <a:rPr lang="en-US" altLang="ko-KR" sz="2800" b="1" dirty="0" smtClean="0">
                 <a:solidFill>
                   <a:srgbClr val="0070C0"/>
                 </a:solidFill>
@@ -10387,6 +10207,12 @@
               </a:rPr>
               <a:t>Problem #1</a:t>
             </a:r>
+            <a:endParaRPr lang="en-US" altLang="ko-KR" sz="2800" b="1" dirty="0">
+              <a:solidFill>
+                <a:srgbClr val="0070C0"/>
+              </a:solidFill>
+              <a:ea typeface="Microsoft Sans Serif" panose="020B0604020202020204" pitchFamily="34" charset="0"/>
+            </a:endParaRPr>
           </a:p>
           <a:p>
             <a:pPr marL="457200" indent="-457200">
@@ -10397,7 +10223,7 @@
               <a:defRPr/>
             </a:pPr>
             <a:r>
-              <a:rPr lang="en-US" altLang="ko-KR" b="1" dirty="0">
+              <a:rPr lang="en-US" altLang="ko-KR" b="1" dirty="0" smtClean="0">
                 <a:ea typeface="Microsoft Sans Serif" panose="020B0604020202020204" pitchFamily="34" charset="0"/>
               </a:rPr>
               <a:t>Determine the capacitance at the terminals A-B.</a:t>
@@ -10411,62 +10237,125 @@
               <a:buNone/>
               <a:defRPr/>
             </a:pPr>
+            <a:r>
+              <a:rPr lang="en-US" altLang="ko-KR" b="1" dirty="0" smtClean="0">
+                <a:ea typeface="Microsoft Sans Serif" panose="020B0604020202020204" pitchFamily="34" charset="0"/>
+              </a:rPr>
+              <a:t/>
+            </a:r>
             <a:br>
-              <a:rPr lang="en-US" altLang="ko-KR" b="1" dirty="0">
+              <a:rPr lang="en-US" altLang="ko-KR" b="1" dirty="0" smtClean="0">
                 <a:ea typeface="Microsoft Sans Serif" panose="020B0604020202020204" pitchFamily="34" charset="0"/>
               </a:rPr>
             </a:br>
+            <a:r>
+              <a:rPr lang="en-US" altLang="ko-KR" b="1" dirty="0" smtClean="0">
+                <a:ea typeface="Microsoft Sans Serif" panose="020B0604020202020204" pitchFamily="34" charset="0"/>
+              </a:rPr>
+              <a:t/>
+            </a:r>
             <a:br>
-              <a:rPr lang="en-US" altLang="ko-KR" b="1" dirty="0">
+              <a:rPr lang="en-US" altLang="ko-KR" b="1" dirty="0" smtClean="0">
                 <a:ea typeface="Microsoft Sans Serif" panose="020B0604020202020204" pitchFamily="34" charset="0"/>
               </a:rPr>
             </a:br>
+            <a:r>
+              <a:rPr lang="en-US" altLang="ko-KR" b="1" dirty="0" smtClean="0">
+                <a:ea typeface="Microsoft Sans Serif" panose="020B0604020202020204" pitchFamily="34" charset="0"/>
+              </a:rPr>
+              <a:t/>
+            </a:r>
             <a:br>
-              <a:rPr lang="en-US" altLang="ko-KR" b="1" dirty="0">
+              <a:rPr lang="en-US" altLang="ko-KR" b="1" dirty="0" smtClean="0">
                 <a:ea typeface="Microsoft Sans Serif" panose="020B0604020202020204" pitchFamily="34" charset="0"/>
               </a:rPr>
             </a:br>
+            <a:r>
+              <a:rPr lang="en-US" altLang="ko-KR" b="1" dirty="0" smtClean="0">
+                <a:ea typeface="Microsoft Sans Serif" panose="020B0604020202020204" pitchFamily="34" charset="0"/>
+              </a:rPr>
+              <a:t/>
+            </a:r>
             <a:br>
-              <a:rPr lang="en-US" altLang="ko-KR" b="1" dirty="0">
+              <a:rPr lang="en-US" altLang="ko-KR" b="1" dirty="0" smtClean="0">
                 <a:ea typeface="Microsoft Sans Serif" panose="020B0604020202020204" pitchFamily="34" charset="0"/>
               </a:rPr>
             </a:br>
+            <a:r>
+              <a:rPr lang="en-US" altLang="ko-KR" b="1" dirty="0" smtClean="0">
+                <a:ea typeface="Microsoft Sans Serif" panose="020B0604020202020204" pitchFamily="34" charset="0"/>
+              </a:rPr>
+              <a:t/>
+            </a:r>
             <a:br>
-              <a:rPr lang="en-US" altLang="ko-KR" b="1" dirty="0">
+              <a:rPr lang="en-US" altLang="ko-KR" b="1" dirty="0" smtClean="0">
                 <a:ea typeface="Microsoft Sans Serif" panose="020B0604020202020204" pitchFamily="34" charset="0"/>
               </a:rPr>
             </a:br>
+            <a:r>
+              <a:rPr lang="en-US" altLang="ko-KR" b="1" dirty="0" smtClean="0">
+                <a:ea typeface="Microsoft Sans Serif" panose="020B0604020202020204" pitchFamily="34" charset="0"/>
+              </a:rPr>
+              <a:t/>
+            </a:r>
             <a:br>
-              <a:rPr lang="en-US" altLang="ko-KR" b="1" dirty="0">
+              <a:rPr lang="en-US" altLang="ko-KR" b="1" dirty="0" smtClean="0">
                 <a:ea typeface="Microsoft Sans Serif" panose="020B0604020202020204" pitchFamily="34" charset="0"/>
               </a:rPr>
             </a:br>
+            <a:r>
+              <a:rPr lang="en-US" altLang="ko-KR" b="1" dirty="0" smtClean="0">
+                <a:ea typeface="Microsoft Sans Serif" panose="020B0604020202020204" pitchFamily="34" charset="0"/>
+              </a:rPr>
+              <a:t/>
+            </a:r>
             <a:br>
-              <a:rPr lang="en-US" altLang="ko-KR" b="1" dirty="0">
+              <a:rPr lang="en-US" altLang="ko-KR" b="1" dirty="0" smtClean="0">
                 <a:ea typeface="Microsoft Sans Serif" panose="020B0604020202020204" pitchFamily="34" charset="0"/>
               </a:rPr>
             </a:br>
+            <a:r>
+              <a:rPr lang="en-US" altLang="ko-KR" b="1" dirty="0" smtClean="0">
+                <a:ea typeface="Microsoft Sans Serif" panose="020B0604020202020204" pitchFamily="34" charset="0"/>
+              </a:rPr>
+              <a:t/>
+            </a:r>
             <a:br>
-              <a:rPr lang="en-US" altLang="ko-KR" b="1" dirty="0">
+              <a:rPr lang="en-US" altLang="ko-KR" b="1" dirty="0" smtClean="0">
                 <a:ea typeface="Microsoft Sans Serif" panose="020B0604020202020204" pitchFamily="34" charset="0"/>
               </a:rPr>
             </a:br>
+            <a:r>
+              <a:rPr lang="en-US" altLang="ko-KR" b="1" dirty="0" smtClean="0">
+                <a:ea typeface="Microsoft Sans Serif" panose="020B0604020202020204" pitchFamily="34" charset="0"/>
+              </a:rPr>
+              <a:t/>
+            </a:r>
             <a:br>
-              <a:rPr lang="en-US" altLang="ko-KR" b="1" dirty="0">
+              <a:rPr lang="en-US" altLang="ko-KR" b="1" dirty="0" smtClean="0">
                 <a:ea typeface="Microsoft Sans Serif" panose="020B0604020202020204" pitchFamily="34" charset="0"/>
               </a:rPr>
             </a:br>
+            <a:r>
+              <a:rPr lang="en-US" altLang="ko-KR" b="1" dirty="0" smtClean="0">
+                <a:ea typeface="Microsoft Sans Serif" panose="020B0604020202020204" pitchFamily="34" charset="0"/>
+              </a:rPr>
+              <a:t/>
+            </a:r>
             <a:br>
-              <a:rPr lang="en-US" altLang="ko-KR" b="1" dirty="0">
+              <a:rPr lang="en-US" altLang="ko-KR" b="1" dirty="0" smtClean="0">
                 <a:ea typeface="Microsoft Sans Serif" panose="020B0604020202020204" pitchFamily="34" charset="0"/>
               </a:rPr>
             </a:br>
             <a:r>
-              <a:rPr lang="en-US" altLang="ko-KR" b="1" dirty="0">
+              <a:rPr lang="en-US" altLang="ko-KR" b="1" dirty="0" smtClean="0">
                 <a:ea typeface="Microsoft Sans Serif" panose="020B0604020202020204" pitchFamily="34" charset="0"/>
               </a:rPr>
               <a:t>                                          Figure P4.6</a:t>
             </a:r>
+            <a:endParaRPr lang="en-US" altLang="ko-KR" b="1" dirty="0">
+              <a:ea typeface="Microsoft Sans Serif" panose="020B0604020202020204" pitchFamily="34" charset="0"/>
+            </a:endParaRPr>
           </a:p>
         </p:txBody>
       </p:sp>
@@ -10510,18 +10399,14 @@
   <p:clrMapOvr>
     <a:masterClrMapping/>
   </p:clrMapOvr>
-  <mc:AlternateContent xmlns:mc="http://schemas.openxmlformats.org/markup-compatibility/2006">
-    <mc:Choice xmlns:p159="http://schemas.microsoft.com/office/powerpoint/2015/09/main" Requires="p159">
-      <p:transition>
-        <p159:morph option="byChar"/>
-      </p:transition>
-    </mc:Choice>
-    <mc:Fallback>
-      <p:transition>
-        <p:fade/>
-      </p:transition>
-    </mc:Fallback>
-  </mc:AlternateContent>
+  <p:transition spd="med"/>
+  <p:timing>
+    <p:tnLst>
+      <p:par>
+        <p:cTn id="1" dur="indefinite" restart="never" nodeType="tmRoot"/>
+      </p:par>
+    </p:tnLst>
+  </p:timing>
 </p:sld>
 </file>
 
@@ -10559,10 +10444,10 @@
           <a:p>
             <a:pPr eaLnBrk="1" hangingPunct="1"/>
             <a:r>
-              <a:rPr lang="en-US" altLang="ko-KR" sz="2400" dirty="0"/>
+              <a:rPr lang="en-US" altLang="ko-KR" sz="2400" dirty="0" smtClean="0"/>
               <a:t>Homework #3</a:t>
             </a:r>
-            <a:endParaRPr lang="ko-KR" altLang="en-US" sz="2400" dirty="0"/>
+            <a:endParaRPr lang="ko-KR" altLang="en-US" sz="2400" dirty="0" smtClean="0"/>
           </a:p>
         </p:txBody>
       </p:sp>
@@ -10591,7 +10476,7 @@
               <a:defRPr/>
             </a:pPr>
             <a:r>
-              <a:rPr lang="en-US" altLang="ko-KR" sz="2800" b="1" dirty="0">
+              <a:rPr lang="en-US" altLang="ko-KR" sz="2800" b="1" dirty="0" smtClean="0">
                 <a:solidFill>
                   <a:srgbClr val="0070C0"/>
                 </a:solidFill>
@@ -10606,7 +10491,7 @@
               <a:buAutoNum type="arabicPeriod" startAt="2"/>
               <a:defRPr/>
             </a:pPr>
-            <a:endParaRPr lang="en-US" altLang="ko-KR" b="1" dirty="0">
+            <a:endParaRPr lang="en-US" altLang="ko-KR" b="1" dirty="0" smtClean="0">
               <a:ea typeface="Microsoft Sans Serif" panose="020B0604020202020204" pitchFamily="34" charset="0"/>
             </a:endParaRPr>
           </a:p>
@@ -10617,25 +10502,25 @@
               <a:defRPr/>
             </a:pPr>
             <a:r>
-              <a:rPr lang="en-US" altLang="ko-KR" b="1" dirty="0">
+              <a:rPr lang="en-US" altLang="ko-KR" b="1" dirty="0" smtClean="0">
                 <a:ea typeface="Microsoft Sans Serif" panose="020B0604020202020204" pitchFamily="34" charset="0"/>
               </a:rPr>
               <a:t>Find </a:t>
             </a:r>
             <a:r>
-              <a:rPr lang="en-US" altLang="ko-KR" b="1" dirty="0" err="1">
+              <a:rPr lang="en-US" altLang="ko-KR" b="1" dirty="0" err="1" smtClean="0">
                 <a:ea typeface="Microsoft Sans Serif" panose="020B0604020202020204" pitchFamily="34" charset="0"/>
               </a:rPr>
               <a:t>i</a:t>
             </a:r>
             <a:r>
-              <a:rPr lang="en-US" altLang="ko-KR" b="1" baseline="-25000" dirty="0" err="1">
+              <a:rPr lang="en-US" altLang="ko-KR" b="1" baseline="-25000" dirty="0" err="1" smtClean="0">
                 <a:ea typeface="Microsoft Sans Serif" panose="020B0604020202020204" pitchFamily="34" charset="0"/>
               </a:rPr>
               <a:t>o</a:t>
             </a:r>
             <a:r>
-              <a:rPr lang="en-US" altLang="ko-KR" b="1" dirty="0">
+              <a:rPr lang="en-US" altLang="ko-KR" b="1" dirty="0" smtClean="0">
                 <a:ea typeface="Microsoft Sans Serif" panose="020B0604020202020204" pitchFamily="34" charset="0"/>
               </a:rPr>
               <a:t>(t) for t&gt;0. </a:t>
@@ -10646,37 +10531,73 @@
               <a:buNone/>
               <a:defRPr/>
             </a:pPr>
+            <a:r>
+              <a:rPr lang="en-US" altLang="ko-KR" b="1" dirty="0" smtClean="0">
+                <a:ea typeface="Microsoft Sans Serif" panose="020B0604020202020204" pitchFamily="34" charset="0"/>
+              </a:rPr>
+              <a:t/>
+            </a:r>
             <a:br>
-              <a:rPr lang="en-US" altLang="ko-KR" b="1" dirty="0">
+              <a:rPr lang="en-US" altLang="ko-KR" b="1" dirty="0" smtClean="0">
                 <a:ea typeface="Microsoft Sans Serif" panose="020B0604020202020204" pitchFamily="34" charset="0"/>
               </a:rPr>
             </a:br>
+            <a:r>
+              <a:rPr lang="en-US" altLang="ko-KR" b="1" dirty="0" smtClean="0">
+                <a:ea typeface="Microsoft Sans Serif" panose="020B0604020202020204" pitchFamily="34" charset="0"/>
+              </a:rPr>
+              <a:t/>
+            </a:r>
             <a:br>
-              <a:rPr lang="en-US" altLang="ko-KR" b="1" dirty="0">
+              <a:rPr lang="en-US" altLang="ko-KR" b="1" dirty="0" smtClean="0">
                 <a:ea typeface="Microsoft Sans Serif" panose="020B0604020202020204" pitchFamily="34" charset="0"/>
               </a:rPr>
             </a:br>
+            <a:r>
+              <a:rPr lang="en-US" altLang="ko-KR" b="1" dirty="0" smtClean="0">
+                <a:ea typeface="Microsoft Sans Serif" panose="020B0604020202020204" pitchFamily="34" charset="0"/>
+              </a:rPr>
+              <a:t/>
+            </a:r>
             <a:br>
-              <a:rPr lang="en-US" altLang="ko-KR" b="1" dirty="0">
+              <a:rPr lang="en-US" altLang="ko-KR" b="1" dirty="0" smtClean="0">
                 <a:ea typeface="Microsoft Sans Serif" panose="020B0604020202020204" pitchFamily="34" charset="0"/>
               </a:rPr>
             </a:br>
+            <a:r>
+              <a:rPr lang="en-US" altLang="ko-KR" b="1" dirty="0" smtClean="0">
+                <a:ea typeface="Microsoft Sans Serif" panose="020B0604020202020204" pitchFamily="34" charset="0"/>
+              </a:rPr>
+              <a:t/>
+            </a:r>
             <a:br>
-              <a:rPr lang="en-US" altLang="ko-KR" b="1" dirty="0">
+              <a:rPr lang="en-US" altLang="ko-KR" b="1" dirty="0" smtClean="0">
                 <a:ea typeface="Microsoft Sans Serif" panose="020B0604020202020204" pitchFamily="34" charset="0"/>
               </a:rPr>
             </a:br>
+            <a:r>
+              <a:rPr lang="en-US" altLang="ko-KR" b="1" dirty="0" smtClean="0">
+                <a:ea typeface="Microsoft Sans Serif" panose="020B0604020202020204" pitchFamily="34" charset="0"/>
+              </a:rPr>
+              <a:t/>
+            </a:r>
             <a:br>
-              <a:rPr lang="en-US" altLang="ko-KR" b="1" dirty="0">
+              <a:rPr lang="en-US" altLang="ko-KR" b="1" dirty="0" smtClean="0">
                 <a:ea typeface="Microsoft Sans Serif" panose="020B0604020202020204" pitchFamily="34" charset="0"/>
               </a:rPr>
             </a:br>
+            <a:r>
+              <a:rPr lang="en-US" altLang="ko-KR" b="1" dirty="0" smtClean="0">
+                <a:ea typeface="Microsoft Sans Serif" panose="020B0604020202020204" pitchFamily="34" charset="0"/>
+              </a:rPr>
+              <a:t/>
+            </a:r>
             <a:br>
-              <a:rPr lang="en-US" altLang="ko-KR" b="1" dirty="0">
+              <a:rPr lang="en-US" altLang="ko-KR" b="1" dirty="0" smtClean="0">
                 <a:ea typeface="Microsoft Sans Serif" panose="020B0604020202020204" pitchFamily="34" charset="0"/>
               </a:rPr>
             </a:br>
-            <a:endParaRPr lang="en-US" altLang="ko-KR" b="1" dirty="0">
+            <a:endParaRPr lang="en-US" altLang="ko-KR" b="1" dirty="0" smtClean="0">
               <a:ea typeface="Microsoft Sans Serif" panose="020B0604020202020204" pitchFamily="34" charset="0"/>
             </a:endParaRPr>
           </a:p>
@@ -10686,11 +10607,14 @@
               <a:defRPr/>
             </a:pPr>
             <a:r>
-              <a:rPr lang="en-US" altLang="ko-KR" b="1" dirty="0">
+              <a:rPr lang="en-US" altLang="ko-KR" b="1" dirty="0" smtClean="0">
                 <a:ea typeface="Microsoft Sans Serif" panose="020B0604020202020204" pitchFamily="34" charset="0"/>
               </a:rPr>
               <a:t>                                          Figure P4.42</a:t>
             </a:r>
+            <a:endParaRPr lang="en-US" altLang="ko-KR" b="1" dirty="0">
+              <a:ea typeface="Microsoft Sans Serif" panose="020B0604020202020204" pitchFamily="34" charset="0"/>
+            </a:endParaRPr>
           </a:p>
         </p:txBody>
       </p:sp>
@@ -10729,18 +10653,14 @@
   <p:clrMapOvr>
     <a:masterClrMapping/>
   </p:clrMapOvr>
-  <mc:AlternateContent xmlns:mc="http://schemas.openxmlformats.org/markup-compatibility/2006">
-    <mc:Choice xmlns:p159="http://schemas.microsoft.com/office/powerpoint/2015/09/main" Requires="p159">
-      <p:transition>
-        <p159:morph option="byChar"/>
-      </p:transition>
-    </mc:Choice>
-    <mc:Fallback>
-      <p:transition>
-        <p:fade/>
-      </p:transition>
-    </mc:Fallback>
-  </mc:AlternateContent>
+  <p:transition spd="med"/>
+  <p:timing>
+    <p:tnLst>
+      <p:par>
+        <p:cTn id="1" dur="indefinite" restart="never" nodeType="tmRoot"/>
+      </p:par>
+    </p:tnLst>
+  </p:timing>
 </p:sld>
 </file>
 
@@ -10778,10 +10698,10 @@
           <a:p>
             <a:pPr eaLnBrk="1" hangingPunct="1"/>
             <a:r>
-              <a:rPr lang="en-US" altLang="ko-KR" sz="2400" dirty="0"/>
+              <a:rPr lang="en-US" altLang="ko-KR" sz="2400" dirty="0" smtClean="0"/>
               <a:t>Homework #3</a:t>
             </a:r>
-            <a:endParaRPr lang="ko-KR" altLang="en-US" sz="2400" dirty="0"/>
+            <a:endParaRPr lang="ko-KR" altLang="en-US" sz="2400" dirty="0" smtClean="0"/>
           </a:p>
         </p:txBody>
       </p:sp>
@@ -10810,14 +10730,29 @@
               <a:defRPr/>
             </a:pPr>
             <a:r>
-              <a:rPr lang="en-US" altLang="ko-KR" sz="2800" b="1" dirty="0">
+              <a:rPr lang="en-US" altLang="ko-KR" sz="2800" b="1" dirty="0" smtClean="0">
                 <a:solidFill>
                   <a:srgbClr val="0070C0"/>
                 </a:solidFill>
                 <a:ea typeface="Microsoft Sans Serif" panose="020B0604020202020204" pitchFamily="34" charset="0"/>
               </a:rPr>
-              <a:t>Problem #3</a:t>
-            </a:r>
+              <a:t>Problem #</a:t>
+            </a:r>
+            <a:r>
+              <a:rPr lang="en-US" altLang="ko-KR" sz="2800" b="1" dirty="0">
+                <a:solidFill>
+                  <a:srgbClr val="0070C0"/>
+                </a:solidFill>
+                <a:ea typeface="Microsoft Sans Serif" panose="020B0604020202020204" pitchFamily="34" charset="0"/>
+              </a:rPr>
+              <a:t>3</a:t>
+            </a:r>
+            <a:endParaRPr lang="en-US" altLang="ko-KR" sz="2800" b="1" dirty="0" smtClean="0">
+              <a:solidFill>
+                <a:srgbClr val="0070C0"/>
+              </a:solidFill>
+              <a:ea typeface="Microsoft Sans Serif" panose="020B0604020202020204" pitchFamily="34" charset="0"/>
+            </a:endParaRPr>
           </a:p>
           <a:p>
             <a:pPr marL="457200" indent="-457200">
@@ -10825,7 +10760,7 @@
               <a:buAutoNum type="arabicPeriod" startAt="2"/>
               <a:defRPr/>
             </a:pPr>
-            <a:endParaRPr lang="en-US" altLang="ko-KR" b="1" dirty="0">
+            <a:endParaRPr lang="en-US" altLang="ko-KR" b="1" dirty="0" smtClean="0">
               <a:ea typeface="Microsoft Sans Serif" panose="020B0604020202020204" pitchFamily="34" charset="0"/>
             </a:endParaRPr>
           </a:p>
@@ -10836,25 +10771,25 @@
               <a:defRPr/>
             </a:pPr>
             <a:r>
-              <a:rPr lang="en-US" altLang="ko-KR" b="1" dirty="0">
+              <a:rPr lang="en-US" altLang="ko-KR" b="1" dirty="0" smtClean="0">
                 <a:ea typeface="Microsoft Sans Serif" panose="020B0604020202020204" pitchFamily="34" charset="0"/>
               </a:rPr>
               <a:t>Find </a:t>
             </a:r>
             <a:r>
-              <a:rPr lang="en-US" altLang="ko-KR" b="1" dirty="0" err="1">
+              <a:rPr lang="en-US" altLang="ko-KR" b="1" dirty="0" err="1" smtClean="0">
                 <a:ea typeface="Microsoft Sans Serif" panose="020B0604020202020204" pitchFamily="34" charset="0"/>
               </a:rPr>
               <a:t>i</a:t>
             </a:r>
             <a:r>
-              <a:rPr lang="en-US" altLang="ko-KR" b="1" baseline="-25000" dirty="0" err="1">
+              <a:rPr lang="en-US" altLang="ko-KR" b="1" baseline="-25000" dirty="0" err="1" smtClean="0">
                 <a:ea typeface="Microsoft Sans Serif" panose="020B0604020202020204" pitchFamily="34" charset="0"/>
               </a:rPr>
               <a:t>o</a:t>
             </a:r>
             <a:r>
-              <a:rPr lang="en-US" altLang="ko-KR" b="1" dirty="0">
+              <a:rPr lang="en-US" altLang="ko-KR" b="1" dirty="0" smtClean="0">
                 <a:ea typeface="Microsoft Sans Serif" panose="020B0604020202020204" pitchFamily="34" charset="0"/>
               </a:rPr>
               <a:t>(t) for t&gt;0. </a:t>
@@ -10865,37 +10800,73 @@
               <a:buNone/>
               <a:defRPr/>
             </a:pPr>
+            <a:r>
+              <a:rPr lang="en-US" altLang="ko-KR" b="1" dirty="0" smtClean="0">
+                <a:ea typeface="Microsoft Sans Serif" panose="020B0604020202020204" pitchFamily="34" charset="0"/>
+              </a:rPr>
+              <a:t/>
+            </a:r>
             <a:br>
-              <a:rPr lang="en-US" altLang="ko-KR" b="1" dirty="0">
+              <a:rPr lang="en-US" altLang="ko-KR" b="1" dirty="0" smtClean="0">
                 <a:ea typeface="Microsoft Sans Serif" panose="020B0604020202020204" pitchFamily="34" charset="0"/>
               </a:rPr>
             </a:br>
+            <a:r>
+              <a:rPr lang="en-US" altLang="ko-KR" b="1" dirty="0" smtClean="0">
+                <a:ea typeface="Microsoft Sans Serif" panose="020B0604020202020204" pitchFamily="34" charset="0"/>
+              </a:rPr>
+              <a:t/>
+            </a:r>
             <a:br>
-              <a:rPr lang="en-US" altLang="ko-KR" b="1" dirty="0">
+              <a:rPr lang="en-US" altLang="ko-KR" b="1" dirty="0" smtClean="0">
                 <a:ea typeface="Microsoft Sans Serif" panose="020B0604020202020204" pitchFamily="34" charset="0"/>
               </a:rPr>
             </a:br>
+            <a:r>
+              <a:rPr lang="en-US" altLang="ko-KR" b="1" dirty="0" smtClean="0">
+                <a:ea typeface="Microsoft Sans Serif" panose="020B0604020202020204" pitchFamily="34" charset="0"/>
+              </a:rPr>
+              <a:t/>
+            </a:r>
             <a:br>
-              <a:rPr lang="en-US" altLang="ko-KR" b="1" dirty="0">
+              <a:rPr lang="en-US" altLang="ko-KR" b="1" dirty="0" smtClean="0">
                 <a:ea typeface="Microsoft Sans Serif" panose="020B0604020202020204" pitchFamily="34" charset="0"/>
               </a:rPr>
             </a:br>
+            <a:r>
+              <a:rPr lang="en-US" altLang="ko-KR" b="1" dirty="0" smtClean="0">
+                <a:ea typeface="Microsoft Sans Serif" panose="020B0604020202020204" pitchFamily="34" charset="0"/>
+              </a:rPr>
+              <a:t/>
+            </a:r>
             <a:br>
-              <a:rPr lang="en-US" altLang="ko-KR" b="1" dirty="0">
+              <a:rPr lang="en-US" altLang="ko-KR" b="1" dirty="0" smtClean="0">
                 <a:ea typeface="Microsoft Sans Serif" panose="020B0604020202020204" pitchFamily="34" charset="0"/>
               </a:rPr>
             </a:br>
+            <a:r>
+              <a:rPr lang="en-US" altLang="ko-KR" b="1" dirty="0" smtClean="0">
+                <a:ea typeface="Microsoft Sans Serif" panose="020B0604020202020204" pitchFamily="34" charset="0"/>
+              </a:rPr>
+              <a:t/>
+            </a:r>
             <a:br>
-              <a:rPr lang="en-US" altLang="ko-KR" b="1" dirty="0">
+              <a:rPr lang="en-US" altLang="ko-KR" b="1" dirty="0" smtClean="0">
                 <a:ea typeface="Microsoft Sans Serif" panose="020B0604020202020204" pitchFamily="34" charset="0"/>
               </a:rPr>
             </a:br>
+            <a:r>
+              <a:rPr lang="en-US" altLang="ko-KR" b="1" dirty="0" smtClean="0">
+                <a:ea typeface="Microsoft Sans Serif" panose="020B0604020202020204" pitchFamily="34" charset="0"/>
+              </a:rPr>
+              <a:t/>
+            </a:r>
             <a:br>
-              <a:rPr lang="en-US" altLang="ko-KR" b="1" dirty="0">
+              <a:rPr lang="en-US" altLang="ko-KR" b="1" dirty="0" smtClean="0">
                 <a:ea typeface="Microsoft Sans Serif" panose="020B0604020202020204" pitchFamily="34" charset="0"/>
               </a:rPr>
             </a:br>
-            <a:endParaRPr lang="en-US" altLang="ko-KR" b="1" dirty="0">
+            <a:endParaRPr lang="en-US" altLang="ko-KR" b="1" dirty="0" smtClean="0">
               <a:ea typeface="Microsoft Sans Serif" panose="020B0604020202020204" pitchFamily="34" charset="0"/>
             </a:endParaRPr>
           </a:p>
@@ -10905,11 +10876,14 @@
               <a:defRPr/>
             </a:pPr>
             <a:r>
-              <a:rPr lang="en-US" altLang="ko-KR" b="1" dirty="0">
+              <a:rPr lang="en-US" altLang="ko-KR" b="1" dirty="0" smtClean="0">
                 <a:ea typeface="Microsoft Sans Serif" panose="020B0604020202020204" pitchFamily="34" charset="0"/>
               </a:rPr>
               <a:t>                                          Figure P4.22</a:t>
             </a:r>
+            <a:endParaRPr lang="en-US" altLang="ko-KR" b="1" dirty="0">
+              <a:ea typeface="Microsoft Sans Serif" panose="020B0604020202020204" pitchFamily="34" charset="0"/>
+            </a:endParaRPr>
           </a:p>
         </p:txBody>
       </p:sp>
@@ -10953,18 +10927,14 @@
   <p:clrMapOvr>
     <a:masterClrMapping/>
   </p:clrMapOvr>
-  <mc:AlternateContent xmlns:mc="http://schemas.openxmlformats.org/markup-compatibility/2006">
-    <mc:Choice xmlns:p159="http://schemas.microsoft.com/office/powerpoint/2015/09/main" Requires="p159">
-      <p:transition>
-        <p159:morph option="byChar"/>
-      </p:transition>
-    </mc:Choice>
-    <mc:Fallback>
-      <p:transition>
-        <p:fade/>
-      </p:transition>
-    </mc:Fallback>
-  </mc:AlternateContent>
+  <p:transition spd="med"/>
+  <p:timing>
+    <p:tnLst>
+      <p:par>
+        <p:cTn id="1" dur="indefinite" restart="never" nodeType="tmRoot"/>
+      </p:par>
+    </p:tnLst>
+  </p:timing>
 </p:sld>
 </file>
 
@@ -11002,10 +10972,10 @@
           <a:p>
             <a:pPr eaLnBrk="1" hangingPunct="1"/>
             <a:r>
-              <a:rPr lang="en-US" altLang="ko-KR" sz="2400" dirty="0"/>
+              <a:rPr lang="en-US" altLang="ko-KR" sz="2400" dirty="0" smtClean="0"/>
               <a:t>Homework #3</a:t>
             </a:r>
-            <a:endParaRPr lang="ko-KR" altLang="en-US" sz="2400" dirty="0"/>
+            <a:endParaRPr lang="ko-KR" altLang="en-US" sz="2400" dirty="0" smtClean="0"/>
           </a:p>
         </p:txBody>
       </p:sp>
@@ -11034,14 +11004,29 @@
               <a:defRPr/>
             </a:pPr>
             <a:r>
-              <a:rPr lang="en-US" altLang="ko-KR" sz="2800" b="1" dirty="0">
+              <a:rPr lang="en-US" altLang="ko-KR" sz="2800" b="1" dirty="0" smtClean="0">
                 <a:solidFill>
                   <a:srgbClr val="0070C0"/>
                 </a:solidFill>
                 <a:ea typeface="Microsoft Sans Serif" panose="020B0604020202020204" pitchFamily="34" charset="0"/>
               </a:rPr>
-              <a:t>Problem #4</a:t>
-            </a:r>
+              <a:t>Problem #</a:t>
+            </a:r>
+            <a:r>
+              <a:rPr lang="en-US" altLang="ko-KR" sz="2800" b="1" dirty="0">
+                <a:solidFill>
+                  <a:srgbClr val="0070C0"/>
+                </a:solidFill>
+                <a:ea typeface="Microsoft Sans Serif" panose="020B0604020202020204" pitchFamily="34" charset="0"/>
+              </a:rPr>
+              <a:t>4</a:t>
+            </a:r>
+            <a:endParaRPr lang="en-US" altLang="ko-KR" sz="2800" b="1" dirty="0" smtClean="0">
+              <a:solidFill>
+                <a:srgbClr val="0070C0"/>
+              </a:solidFill>
+              <a:ea typeface="Microsoft Sans Serif" panose="020B0604020202020204" pitchFamily="34" charset="0"/>
+            </a:endParaRPr>
           </a:p>
           <a:p>
             <a:pPr marL="457200" indent="-457200">
@@ -11049,7 +11034,7 @@
               <a:buAutoNum type="arabicPeriod" startAt="2"/>
               <a:defRPr/>
             </a:pPr>
-            <a:endParaRPr lang="en-US" altLang="ko-KR" b="1" dirty="0">
+            <a:endParaRPr lang="en-US" altLang="ko-KR" b="1" dirty="0" smtClean="0">
               <a:ea typeface="Microsoft Sans Serif" panose="020B0604020202020204" pitchFamily="34" charset="0"/>
             </a:endParaRPr>
           </a:p>
@@ -11060,55 +11045,55 @@
               <a:defRPr/>
             </a:pPr>
             <a:r>
-              <a:rPr lang="en-US" altLang="ko-KR" b="1" dirty="0">
+              <a:rPr lang="en-US" altLang="ko-KR" b="1" dirty="0" smtClean="0">
                 <a:ea typeface="Microsoft Sans Serif" panose="020B0604020202020204" pitchFamily="34" charset="0"/>
               </a:rPr>
               <a:t>Find </a:t>
             </a:r>
             <a:r>
-              <a:rPr lang="en-US" altLang="ko-KR" b="1" dirty="0" err="1">
+              <a:rPr lang="en-US" altLang="ko-KR" b="1" dirty="0" err="1" smtClean="0">
                 <a:ea typeface="Microsoft Sans Serif" panose="020B0604020202020204" pitchFamily="34" charset="0"/>
               </a:rPr>
               <a:t>i</a:t>
             </a:r>
             <a:r>
-              <a:rPr lang="en-US" altLang="ko-KR" b="1" dirty="0">
+              <a:rPr lang="en-US" altLang="ko-KR" b="1" dirty="0" smtClean="0">
                 <a:ea typeface="Microsoft Sans Serif" panose="020B0604020202020204" pitchFamily="34" charset="0"/>
               </a:rPr>
               <a:t>(t) for t&gt;0. Here the initial conditions are </a:t>
             </a:r>
             <a:r>
-              <a:rPr lang="en-US" altLang="ko-KR" b="1" dirty="0" err="1">
+              <a:rPr lang="en-US" altLang="ko-KR" b="1" dirty="0" err="1" smtClean="0">
                 <a:ea typeface="Microsoft Sans Serif" panose="020B0604020202020204" pitchFamily="34" charset="0"/>
               </a:rPr>
               <a:t>i</a:t>
             </a:r>
             <a:r>
-              <a:rPr lang="en-US" altLang="ko-KR" b="1" baseline="-25000" dirty="0" err="1">
+              <a:rPr lang="en-US" altLang="ko-KR" b="1" baseline="-25000" dirty="0" err="1" smtClean="0">
                 <a:ea typeface="Microsoft Sans Serif" panose="020B0604020202020204" pitchFamily="34" charset="0"/>
               </a:rPr>
               <a:t>L</a:t>
             </a:r>
             <a:r>
-              <a:rPr lang="en-US" altLang="ko-KR" b="1" dirty="0">
+              <a:rPr lang="en-US" altLang="ko-KR" b="1" dirty="0" smtClean="0">
                 <a:ea typeface="Microsoft Sans Serif" panose="020B0604020202020204" pitchFamily="34" charset="0"/>
               </a:rPr>
               <a:t>(0)=2A and </a:t>
             </a:r>
             <a:r>
-              <a:rPr lang="en-US" altLang="ko-KR" b="1" dirty="0" err="1">
+              <a:rPr lang="en-US" altLang="ko-KR" b="1" dirty="0" err="1" smtClean="0">
                 <a:ea typeface="Microsoft Sans Serif" panose="020B0604020202020204" pitchFamily="34" charset="0"/>
               </a:rPr>
               <a:t>v</a:t>
             </a:r>
             <a:r>
-              <a:rPr lang="en-US" altLang="ko-KR" b="1" baseline="-25000" dirty="0" err="1">
+              <a:rPr lang="en-US" altLang="ko-KR" b="1" baseline="-25000" dirty="0" err="1" smtClean="0">
                 <a:ea typeface="Microsoft Sans Serif" panose="020B0604020202020204" pitchFamily="34" charset="0"/>
               </a:rPr>
               <a:t>C</a:t>
             </a:r>
             <a:r>
-              <a:rPr lang="en-US" altLang="ko-KR" b="1" dirty="0">
+              <a:rPr lang="en-US" altLang="ko-KR" b="1" dirty="0" smtClean="0">
                 <a:ea typeface="Microsoft Sans Serif" panose="020B0604020202020204" pitchFamily="34" charset="0"/>
               </a:rPr>
               <a:t>(0)=4V.</a:t>
@@ -11119,32 +11104,62 @@
               <a:buNone/>
               <a:defRPr/>
             </a:pPr>
+            <a:r>
+              <a:rPr lang="en-US" altLang="ko-KR" b="1" dirty="0" smtClean="0">
+                <a:ea typeface="Microsoft Sans Serif" panose="020B0604020202020204" pitchFamily="34" charset="0"/>
+              </a:rPr>
+              <a:t/>
+            </a:r>
             <a:br>
-              <a:rPr lang="en-US" altLang="ko-KR" b="1" dirty="0">
+              <a:rPr lang="en-US" altLang="ko-KR" b="1" dirty="0" smtClean="0">
                 <a:ea typeface="Microsoft Sans Serif" panose="020B0604020202020204" pitchFamily="34" charset="0"/>
               </a:rPr>
             </a:br>
+            <a:r>
+              <a:rPr lang="en-US" altLang="ko-KR" b="1" dirty="0" smtClean="0">
+                <a:ea typeface="Microsoft Sans Serif" panose="020B0604020202020204" pitchFamily="34" charset="0"/>
+              </a:rPr>
+              <a:t/>
+            </a:r>
             <a:br>
-              <a:rPr lang="en-US" altLang="ko-KR" b="1" dirty="0">
+              <a:rPr lang="en-US" altLang="ko-KR" b="1" dirty="0" smtClean="0">
                 <a:ea typeface="Microsoft Sans Serif" panose="020B0604020202020204" pitchFamily="34" charset="0"/>
               </a:rPr>
             </a:br>
+            <a:r>
+              <a:rPr lang="en-US" altLang="ko-KR" b="1" dirty="0" smtClean="0">
+                <a:ea typeface="Microsoft Sans Serif" panose="020B0604020202020204" pitchFamily="34" charset="0"/>
+              </a:rPr>
+              <a:t/>
+            </a:r>
             <a:br>
-              <a:rPr lang="en-US" altLang="ko-KR" b="1" dirty="0">
+              <a:rPr lang="en-US" altLang="ko-KR" b="1" dirty="0" smtClean="0">
                 <a:ea typeface="Microsoft Sans Serif" panose="020B0604020202020204" pitchFamily="34" charset="0"/>
               </a:rPr>
             </a:br>
+            <a:r>
+              <a:rPr lang="en-US" altLang="ko-KR" b="1" dirty="0" smtClean="0">
+                <a:ea typeface="Microsoft Sans Serif" panose="020B0604020202020204" pitchFamily="34" charset="0"/>
+              </a:rPr>
+              <a:t/>
+            </a:r>
             <a:br>
-              <a:rPr lang="en-US" altLang="ko-KR" b="1" dirty="0">
+              <a:rPr lang="en-US" altLang="ko-KR" b="1" dirty="0" smtClean="0">
                 <a:ea typeface="Microsoft Sans Serif" panose="020B0604020202020204" pitchFamily="34" charset="0"/>
               </a:rPr>
             </a:br>
+            <a:r>
+              <a:rPr lang="en-US" altLang="ko-KR" b="1" dirty="0" smtClean="0">
+                <a:ea typeface="Microsoft Sans Serif" panose="020B0604020202020204" pitchFamily="34" charset="0"/>
+              </a:rPr>
+              <a:t/>
+            </a:r>
             <a:br>
-              <a:rPr lang="en-US" altLang="ko-KR" b="1" dirty="0">
+              <a:rPr lang="en-US" altLang="ko-KR" b="1" dirty="0" smtClean="0">
                 <a:ea typeface="Microsoft Sans Serif" panose="020B0604020202020204" pitchFamily="34" charset="0"/>
               </a:rPr>
             </a:br>
-            <a:endParaRPr lang="en-US" altLang="ko-KR" b="1" dirty="0">
+            <a:endParaRPr lang="en-US" altLang="ko-KR" b="1" dirty="0" smtClean="0">
               <a:ea typeface="Microsoft Sans Serif" panose="020B0604020202020204" pitchFamily="34" charset="0"/>
             </a:endParaRPr>
           </a:p>
@@ -11153,7 +11168,7 @@
               <a:buNone/>
               <a:defRPr/>
             </a:pPr>
-            <a:endParaRPr lang="en-US" altLang="ko-KR" b="1" dirty="0">
+            <a:endParaRPr lang="en-US" altLang="ko-KR" b="1" dirty="0" smtClean="0">
               <a:ea typeface="Microsoft Sans Serif" panose="020B0604020202020204" pitchFamily="34" charset="0"/>
             </a:endParaRPr>
           </a:p>
@@ -11163,11 +11178,14 @@
               <a:defRPr/>
             </a:pPr>
             <a:r>
-              <a:rPr lang="en-US" altLang="ko-KR" b="1" dirty="0">
+              <a:rPr lang="en-US" altLang="ko-KR" b="1" dirty="0" smtClean="0">
                 <a:ea typeface="Microsoft Sans Serif" panose="020B0604020202020204" pitchFamily="34" charset="0"/>
               </a:rPr>
               <a:t>                                          Figure P4.54</a:t>
             </a:r>
+            <a:endParaRPr lang="en-US" altLang="ko-KR" b="1" dirty="0">
+              <a:ea typeface="Microsoft Sans Serif" panose="020B0604020202020204" pitchFamily="34" charset="0"/>
+            </a:endParaRPr>
           </a:p>
         </p:txBody>
       </p:sp>
@@ -11211,18 +11229,14 @@
   <p:clrMapOvr>
     <a:masterClrMapping/>
   </p:clrMapOvr>
-  <mc:AlternateContent xmlns:mc="http://schemas.openxmlformats.org/markup-compatibility/2006">
-    <mc:Choice xmlns:p159="http://schemas.microsoft.com/office/powerpoint/2015/09/main" Requires="p159">
-      <p:transition>
-        <p159:morph option="byChar"/>
-      </p:transition>
-    </mc:Choice>
-    <mc:Fallback>
-      <p:transition>
-        <p:fade/>
-      </p:transition>
-    </mc:Fallback>
-  </mc:AlternateContent>
+  <p:transition spd="med"/>
+  <p:timing>
+    <p:tnLst>
+      <p:par>
+        <p:cTn id="1" dur="indefinite" restart="never" nodeType="tmRoot"/>
+      </p:par>
+    </p:tnLst>
+  </p:timing>
 </p:sld>
 </file>
 
